--- a/SSE2/slides/1 Analysis.pptx
+++ b/SSE2/slides/1 Analysis.pptx
@@ -202,7 +202,7 @@
             <a:fld id="{D69E125A-D55E-45C6-9A62-FE6830745A2A}" type="datetimeFigureOut">
               <a:rPr lang="en-US" smtClean="0"/>
               <a:pPr/>
-              <a:t>3/9/2010</a:t>
+              <a:t>3/12/2010</a:t>
             </a:fld>
             <a:endParaRPr lang="en-US"/>
           </a:p>
@@ -2504,7 +2504,7 @@
             <a:fld id="{3E57D7DC-7299-43C9-BAE2-F335855B8707}" type="datetimeFigureOut">
               <a:rPr lang="en-US" smtClean="0"/>
               <a:pPr/>
-              <a:t>3/9/2010</a:t>
+              <a:t>3/12/2010</a:t>
             </a:fld>
             <a:endParaRPr lang="da-DK"/>
           </a:p>
@@ -2671,7 +2671,7 @@
             <a:fld id="{3E57D7DC-7299-43C9-BAE2-F335855B8707}" type="datetimeFigureOut">
               <a:rPr lang="en-US" smtClean="0"/>
               <a:pPr/>
-              <a:t>3/9/2010</a:t>
+              <a:t>3/12/2010</a:t>
             </a:fld>
             <a:endParaRPr lang="da-DK"/>
           </a:p>
@@ -2848,7 +2848,7 @@
             <a:fld id="{3E57D7DC-7299-43C9-BAE2-F335855B8707}" type="datetimeFigureOut">
               <a:rPr lang="en-US" smtClean="0"/>
               <a:pPr/>
-              <a:t>3/9/2010</a:t>
+              <a:t>3/12/2010</a:t>
             </a:fld>
             <a:endParaRPr lang="da-DK"/>
           </a:p>
@@ -3015,7 +3015,7 @@
             <a:fld id="{3E57D7DC-7299-43C9-BAE2-F335855B8707}" type="datetimeFigureOut">
               <a:rPr lang="en-US" smtClean="0"/>
               <a:pPr/>
-              <a:t>3/9/2010</a:t>
+              <a:t>3/12/2010</a:t>
             </a:fld>
             <a:endParaRPr lang="da-DK"/>
           </a:p>
@@ -3258,7 +3258,7 @@
             <a:fld id="{3E57D7DC-7299-43C9-BAE2-F335855B8707}" type="datetimeFigureOut">
               <a:rPr lang="en-US" smtClean="0"/>
               <a:pPr/>
-              <a:t>3/9/2010</a:t>
+              <a:t>3/12/2010</a:t>
             </a:fld>
             <a:endParaRPr lang="da-DK"/>
           </a:p>
@@ -3543,7 +3543,7 @@
             <a:fld id="{3E57D7DC-7299-43C9-BAE2-F335855B8707}" type="datetimeFigureOut">
               <a:rPr lang="en-US" smtClean="0"/>
               <a:pPr/>
-              <a:t>3/9/2010</a:t>
+              <a:t>3/12/2010</a:t>
             </a:fld>
             <a:endParaRPr lang="da-DK"/>
           </a:p>
@@ -3962,7 +3962,7 @@
             <a:fld id="{3E57D7DC-7299-43C9-BAE2-F335855B8707}" type="datetimeFigureOut">
               <a:rPr lang="en-US" smtClean="0"/>
               <a:pPr/>
-              <a:t>3/9/2010</a:t>
+              <a:t>3/12/2010</a:t>
             </a:fld>
             <a:endParaRPr lang="da-DK"/>
           </a:p>
@@ -4077,7 +4077,7 @@
             <a:fld id="{3E57D7DC-7299-43C9-BAE2-F335855B8707}" type="datetimeFigureOut">
               <a:rPr lang="en-US" smtClean="0"/>
               <a:pPr/>
-              <a:t>3/9/2010</a:t>
+              <a:t>3/12/2010</a:t>
             </a:fld>
             <a:endParaRPr lang="da-DK"/>
           </a:p>
@@ -4169,7 +4169,7 @@
             <a:fld id="{3E57D7DC-7299-43C9-BAE2-F335855B8707}" type="datetimeFigureOut">
               <a:rPr lang="en-US" smtClean="0"/>
               <a:pPr/>
-              <a:t>3/9/2010</a:t>
+              <a:t>3/12/2010</a:t>
             </a:fld>
             <a:endParaRPr lang="da-DK"/>
           </a:p>
@@ -4443,7 +4443,7 @@
             <a:fld id="{3E57D7DC-7299-43C9-BAE2-F335855B8707}" type="datetimeFigureOut">
               <a:rPr lang="en-US" smtClean="0"/>
               <a:pPr/>
-              <a:t>3/9/2010</a:t>
+              <a:t>3/12/2010</a:t>
             </a:fld>
             <a:endParaRPr lang="da-DK"/>
           </a:p>
@@ -4693,7 +4693,7 @@
             <a:fld id="{3E57D7DC-7299-43C9-BAE2-F335855B8707}" type="datetimeFigureOut">
               <a:rPr lang="en-US" smtClean="0"/>
               <a:pPr/>
-              <a:t>3/9/2010</a:t>
+              <a:t>3/12/2010</a:t>
             </a:fld>
             <a:endParaRPr lang="da-DK"/>
           </a:p>
@@ -4903,7 +4903,7 @@
             <a:fld id="{3E57D7DC-7299-43C9-BAE2-F335855B8707}" type="datetimeFigureOut">
               <a:rPr lang="en-US" smtClean="0"/>
               <a:pPr/>
-              <a:t>3/9/2010</a:t>
+              <a:t>3/12/2010</a:t>
             </a:fld>
             <a:endParaRPr lang="da-DK"/>
           </a:p>
@@ -5293,7 +5293,11 @@
           <a:p>
             <a:r>
               <a:rPr lang="en-US" b="1" dirty="0" smtClean="0"/>
-              <a:t>1 Scanner</a:t>
+              <a:t>1 </a:t>
+            </a:r>
+            <a:r>
+              <a:rPr lang="en-US" b="1" dirty="0" smtClean="0"/>
+              <a:t>Analysis</a:t>
             </a:r>
             <a:endParaRPr lang="da-DK" dirty="0"/>
           </a:p>

--- a/SSE2/slides/1 Analysis.pptx
+++ b/SSE2/slides/1 Analysis.pptx
@@ -515,7 +515,7 @@
           <a:lstStyle/>
           <a:p>
             <a:r>
-              <a:rPr lang="en-US" sz="1200" kern="1200" dirty="0" smtClean="0">
+              <a:rPr lang="en-US" sz="1200" kern="1200" baseline="0" dirty="0" smtClean="0">
                 <a:solidFill>
                   <a:schemeClr val="tx1"/>
                 </a:solidFill>
@@ -523,12 +523,12 @@
                 <a:ea typeface="+mn-ea"/>
                 <a:cs typeface="+mn-cs"/>
               </a:rPr>
-              <a:t>Give an explanation for the concepts class, abstract class and interface</a:t>
-            </a:r>
-          </a:p>
-          <a:p>
-            <a:r>
-              <a:rPr lang="en-US" sz="1200" kern="1200" dirty="0" smtClean="0">
+              <a:t>Analysis (Scanning)</a:t>
+            </a:r>
+          </a:p>
+          <a:p>
+            <a:r>
+              <a:rPr lang="en-US" sz="1200" kern="1200" baseline="0" dirty="0" smtClean="0">
                 <a:solidFill>
                   <a:schemeClr val="tx1"/>
                 </a:solidFill>
@@ -536,12 +536,12 @@
                 <a:ea typeface="+mn-ea"/>
                 <a:cs typeface="+mn-cs"/>
               </a:rPr>
-              <a:t> </a:t>
-            </a:r>
-          </a:p>
-          <a:p>
-            <a:r>
-              <a:rPr lang="en-US" sz="1200" kern="1200" dirty="0" smtClean="0">
+              <a:t>From book:</a:t>
+            </a:r>
+          </a:p>
+          <a:p>
+            <a:r>
+              <a:rPr lang="en-US" sz="1200" kern="1200" baseline="0" dirty="0" smtClean="0">
                 <a:solidFill>
                   <a:schemeClr val="tx1"/>
                 </a:solidFill>
@@ -549,13 +549,10 @@
                 <a:ea typeface="+mn-ea"/>
                 <a:cs typeface="+mn-cs"/>
               </a:rPr>
-              <a:t>Relevant theoretical decisions</a:t>
-            </a:r>
-          </a:p>
-          <a:p>
-            <a:pPr lvl="0"/>
-            <a:r>
-              <a:rPr lang="en-US" sz="1200" kern="1200" dirty="0" smtClean="0">
+              <a:t>CFG, Recursive Descent, AST, (</a:t>
+            </a:r>
+            <a:r>
+              <a:rPr lang="en-US" sz="1200" kern="1200" baseline="0" dirty="0" err="1" smtClean="0">
                 <a:solidFill>
                   <a:schemeClr val="tx1"/>
                 </a:solidFill>
@@ -563,13 +560,10 @@
                 <a:ea typeface="+mn-ea"/>
                 <a:cs typeface="+mn-cs"/>
               </a:rPr>
-              <a:t>What are classes and objects and what is special for these concepts?</a:t>
-            </a:r>
-          </a:p>
-          <a:p>
-            <a:pPr lvl="0"/>
-            <a:r>
-              <a:rPr lang="en-US" sz="1200" kern="1200" dirty="0" smtClean="0">
+              <a:t>Visitor+checker</a:t>
+            </a:r>
+            <a:r>
+              <a:rPr lang="en-US" sz="1200" kern="1200" baseline="0" dirty="0" smtClean="0">
                 <a:solidFill>
                   <a:schemeClr val="tx1"/>
                 </a:solidFill>
@@ -577,13 +571,22 @@
                 <a:ea typeface="+mn-ea"/>
                 <a:cs typeface="+mn-cs"/>
               </a:rPr>
-              <a:t>What are visibility modifiers and how are they used in a program?</a:t>
-            </a:r>
-          </a:p>
-          <a:p>
-            <a:pPr lvl="0"/>
-            <a:r>
-              <a:rPr lang="en-US" sz="1200" kern="1200" dirty="0" smtClean="0">
+              <a:t>)</a:t>
+            </a:r>
+          </a:p>
+          <a:p>
+            <a:endParaRPr lang="en-US" sz="1200" kern="1200" baseline="0" dirty="0" smtClean="0">
+              <a:solidFill>
+                <a:schemeClr val="tx1"/>
+              </a:solidFill>
+              <a:latin typeface="+mn-lt"/>
+              <a:ea typeface="+mn-ea"/>
+              <a:cs typeface="+mn-cs"/>
+            </a:endParaRPr>
+          </a:p>
+          <a:p>
+            <a:r>
+              <a:rPr lang="en-US" sz="1200" kern="1200" baseline="0" dirty="0" smtClean="0">
                 <a:solidFill>
                   <a:schemeClr val="tx1"/>
                 </a:solidFill>
@@ -591,13 +594,12 @@
                 <a:ea typeface="+mn-ea"/>
                 <a:cs typeface="+mn-cs"/>
               </a:rPr>
-              <a:t>What is an interface and what is it used for?</a:t>
-            </a:r>
-          </a:p>
-          <a:p>
-            <a:pPr lvl="0"/>
-            <a:r>
-              <a:rPr lang="en-US" sz="1200" kern="1200" dirty="0" smtClean="0">
+              <a:t>From project:</a:t>
+            </a:r>
+          </a:p>
+          <a:p>
+            <a:r>
+              <a:rPr lang="en-US" sz="1200" kern="1200" baseline="0" dirty="0" err="1" smtClean="0">
                 <a:solidFill>
                   <a:schemeClr val="tx1"/>
                 </a:solidFill>
@@ -605,13 +607,10 @@
                 <a:ea typeface="+mn-ea"/>
                 <a:cs typeface="+mn-cs"/>
               </a:rPr>
-              <a:t>What is an abstract class, when and how is it used?</a:t>
-            </a:r>
-          </a:p>
-          <a:p>
-            <a:pPr lvl="0"/>
-            <a:r>
-              <a:rPr lang="en-US" sz="1200" kern="1200" dirty="0" smtClean="0">
+              <a:t>BoCoLa</a:t>
+            </a:r>
+            <a:r>
+              <a:rPr lang="en-US" sz="1200" kern="1200" baseline="0" dirty="0" smtClean="0">
                 <a:solidFill>
                   <a:schemeClr val="tx1"/>
                 </a:solidFill>
@@ -619,19 +618,9 @@
                 <a:ea typeface="+mn-ea"/>
                 <a:cs typeface="+mn-cs"/>
               </a:rPr>
-              <a:t>What is garbage collection and what is the purpose for that?</a:t>
-            </a:r>
-            <a:endParaRPr lang="en-US" sz="1200" kern="1200" smtClean="0">
-              <a:solidFill>
-                <a:schemeClr val="tx1"/>
-              </a:solidFill>
-              <a:latin typeface="+mn-lt"/>
-              <a:ea typeface="+mn-ea"/>
-              <a:cs typeface="+mn-cs"/>
-            </a:endParaRPr>
-          </a:p>
-          <a:p>
-            <a:endParaRPr lang="en-US"/>
+              <a:t>: Scanner, CFG, Recursive Descent, AST</a:t>
+            </a:r>
+            <a:endParaRPr lang="en-US" dirty="0"/>
           </a:p>
         </p:txBody>
       </p:sp>
@@ -5293,11 +5282,7 @@
           <a:p>
             <a:r>
               <a:rPr lang="en-US" b="1" dirty="0" smtClean="0"/>
-              <a:t>1 </a:t>
-            </a:r>
-            <a:r>
-              <a:rPr lang="en-US" b="1" dirty="0" smtClean="0"/>
-              <a:t>Analysis</a:t>
+              <a:t>1 Analysis</a:t>
             </a:r>
             <a:endParaRPr lang="da-DK" dirty="0"/>
           </a:p>

--- a/SSE2/slides/1 Analysis.pptx
+++ b/SSE2/slides/1 Analysis.pptx
@@ -5,19 +5,11 @@
     <p:sldMasterId id="2147483648" r:id="rId1"/>
   </p:sldMasterIdLst>
   <p:notesMasterIdLst>
-    <p:notesMasterId r:id="rId12"/>
+    <p:notesMasterId r:id="rId4"/>
   </p:notesMasterIdLst>
   <p:sldIdLst>
     <p:sldId id="256" r:id="rId2"/>
     <p:sldId id="257" r:id="rId3"/>
-    <p:sldId id="261" r:id="rId4"/>
-    <p:sldId id="259" r:id="rId5"/>
-    <p:sldId id="258" r:id="rId6"/>
-    <p:sldId id="265" r:id="rId7"/>
-    <p:sldId id="264" r:id="rId8"/>
-    <p:sldId id="262" r:id="rId9"/>
-    <p:sldId id="260" r:id="rId10"/>
-    <p:sldId id="263" r:id="rId11"/>
   </p:sldIdLst>
   <p:sldSz cx="9144000" cy="6858000" type="screen4x3"/>
   <p:notesSz cx="6858000" cy="9144000"/>
@@ -515,7 +507,7 @@
           <a:lstStyle/>
           <a:p>
             <a:r>
-              <a:rPr lang="en-US" sz="1200" kern="1200" baseline="0" dirty="0" smtClean="0">
+              <a:rPr lang="en-US" sz="1200" kern="1200" baseline="0" noProof="0" dirty="0" smtClean="0">
                 <a:solidFill>
                   <a:schemeClr val="tx1"/>
                 </a:solidFill>
@@ -528,7 +520,7 @@
           </a:p>
           <a:p>
             <a:r>
-              <a:rPr lang="en-US" sz="1200" kern="1200" baseline="0" dirty="0" smtClean="0">
+              <a:rPr lang="en-US" sz="1200" kern="1200" baseline="0" noProof="0" dirty="0" smtClean="0">
                 <a:solidFill>
                   <a:schemeClr val="tx1"/>
                 </a:solidFill>
@@ -541,7 +533,7 @@
           </a:p>
           <a:p>
             <a:r>
-              <a:rPr lang="en-US" sz="1200" kern="1200" baseline="0" dirty="0" smtClean="0">
+              <a:rPr lang="en-US" sz="1200" kern="1200" baseline="0" noProof="0" dirty="0" smtClean="0">
                 <a:solidFill>
                   <a:schemeClr val="tx1"/>
                 </a:solidFill>
@@ -552,7 +544,7 @@
               <a:t>CFG, Recursive Descent, AST, (</a:t>
             </a:r>
             <a:r>
-              <a:rPr lang="en-US" sz="1200" kern="1200" baseline="0" dirty="0" err="1" smtClean="0">
+              <a:rPr lang="en-US" sz="1200" kern="1200" baseline="0" noProof="0" dirty="0" err="1" smtClean="0">
                 <a:solidFill>
                   <a:schemeClr val="tx1"/>
                 </a:solidFill>
@@ -563,7 +555,7 @@
               <a:t>Visitor+checker</a:t>
             </a:r>
             <a:r>
-              <a:rPr lang="en-US" sz="1200" kern="1200" baseline="0" dirty="0" smtClean="0">
+              <a:rPr lang="en-US" sz="1200" kern="1200" baseline="0" noProof="0" dirty="0" smtClean="0">
                 <a:solidFill>
                   <a:schemeClr val="tx1"/>
                 </a:solidFill>
@@ -575,7 +567,7 @@
             </a:r>
           </a:p>
           <a:p>
-            <a:endParaRPr lang="en-US" sz="1200" kern="1200" baseline="0" dirty="0" smtClean="0">
+            <a:endParaRPr lang="en-US" sz="1200" kern="1200" baseline="0" noProof="0" dirty="0" smtClean="0">
               <a:solidFill>
                 <a:schemeClr val="tx1"/>
               </a:solidFill>
@@ -586,7 +578,7 @@
           </a:p>
           <a:p>
             <a:r>
-              <a:rPr lang="en-US" sz="1200" kern="1200" baseline="0" dirty="0" smtClean="0">
+              <a:rPr lang="en-US" sz="1200" kern="1200" baseline="0" noProof="0" dirty="0" smtClean="0">
                 <a:solidFill>
                   <a:schemeClr val="tx1"/>
                 </a:solidFill>
@@ -599,7 +591,7 @@
           </a:p>
           <a:p>
             <a:r>
-              <a:rPr lang="en-US" sz="1200" kern="1200" baseline="0" dirty="0" err="1" smtClean="0">
+              <a:rPr lang="en-US" sz="1200" kern="1200" baseline="0" noProof="0" dirty="0" err="1" smtClean="0">
                 <a:solidFill>
                   <a:schemeClr val="tx1"/>
                 </a:solidFill>
@@ -610,7 +602,7 @@
               <a:t>BoCoLa</a:t>
             </a:r>
             <a:r>
-              <a:rPr lang="en-US" sz="1200" kern="1200" baseline="0" dirty="0" smtClean="0">
+              <a:rPr lang="en-US" sz="1200" kern="1200" baseline="0" noProof="0" dirty="0" smtClean="0">
                 <a:solidFill>
                   <a:schemeClr val="tx1"/>
                 </a:solidFill>
@@ -620,7 +612,7 @@
               </a:rPr>
               <a:t>: Scanner, CFG, Recursive Descent, AST</a:t>
             </a:r>
-            <a:endParaRPr lang="en-US" dirty="0"/>
+            <a:endParaRPr lang="en-US" noProof="0" dirty="0"/>
           </a:p>
         </p:txBody>
       </p:sp>
@@ -702,603 +694,7 @@
           </a:bodyPr>
           <a:lstStyle/>
           <a:p>
-            <a:pPr marL="0" marR="0" indent="0" algn="l" defTabSz="914400" rtl="0" eaLnBrk="1" fontAlgn="auto" latinLnBrk="0" hangingPunct="1">
-              <a:lnSpc>
-                <a:spcPct val="100000"/>
-              </a:lnSpc>
-              <a:spcBef>
-                <a:spcPts val="0"/>
-              </a:spcBef>
-              <a:spcAft>
-                <a:spcPts val="0"/>
-              </a:spcAft>
-              <a:buClrTx/>
-              <a:buSzTx/>
-              <a:buFontTx/>
-              <a:buNone/>
-              <a:tabLst/>
-              <a:defRPr/>
-            </a:pPr>
-            <a:r>
-              <a:rPr lang="da-DK" dirty="0" err="1" smtClean="0"/>
-              <a:t>Concept</a:t>
-            </a:r>
-            <a:r>
-              <a:rPr lang="da-DK" dirty="0" smtClean="0"/>
-              <a:t>:</a:t>
-            </a:r>
-            <a:r>
-              <a:rPr lang="da-DK" baseline="0" dirty="0" smtClean="0"/>
-              <a:t> </a:t>
-            </a:r>
-            <a:r>
-              <a:rPr lang="da-DK" baseline="0" dirty="0" err="1" smtClean="0"/>
-              <a:t>Class</a:t>
-            </a:r>
-            <a:r>
-              <a:rPr lang="da-DK" baseline="0" dirty="0" smtClean="0"/>
-              <a:t> is the </a:t>
-            </a:r>
-            <a:r>
-              <a:rPr lang="da-DK" baseline="0" dirty="0" err="1" smtClean="0"/>
-              <a:t>blueprint</a:t>
-            </a:r>
-            <a:r>
-              <a:rPr lang="da-DK" baseline="0" dirty="0" smtClean="0"/>
-              <a:t> from </a:t>
-            </a:r>
-            <a:r>
-              <a:rPr lang="da-DK" baseline="0" dirty="0" err="1" smtClean="0"/>
-              <a:t>which</a:t>
-            </a:r>
-            <a:r>
-              <a:rPr lang="da-DK" baseline="0" dirty="0" smtClean="0"/>
-              <a:t> an </a:t>
-            </a:r>
-            <a:r>
-              <a:rPr lang="da-DK" baseline="0" dirty="0" err="1" smtClean="0"/>
-              <a:t>object</a:t>
-            </a:r>
-            <a:r>
-              <a:rPr lang="da-DK" baseline="0" dirty="0" smtClean="0"/>
-              <a:t> i </a:t>
-            </a:r>
-            <a:r>
-              <a:rPr lang="da-DK" baseline="0" dirty="0" err="1" smtClean="0"/>
-              <a:t>created</a:t>
-            </a:r>
-            <a:r>
-              <a:rPr lang="da-DK" baseline="0" dirty="0" smtClean="0"/>
-              <a:t>.</a:t>
-            </a:r>
-          </a:p>
-          <a:p>
-            <a:pPr marL="0" marR="0" indent="0" algn="l" defTabSz="914400" rtl="0" eaLnBrk="1" fontAlgn="auto" latinLnBrk="0" hangingPunct="1">
-              <a:lnSpc>
-                <a:spcPct val="100000"/>
-              </a:lnSpc>
-              <a:spcBef>
-                <a:spcPts val="0"/>
-              </a:spcBef>
-              <a:spcAft>
-                <a:spcPts val="0"/>
-              </a:spcAft>
-              <a:buClrTx/>
-              <a:buSzTx/>
-              <a:buFontTx/>
-              <a:buNone/>
-              <a:tabLst/>
-              <a:defRPr/>
-            </a:pPr>
-            <a:r>
-              <a:rPr lang="da-DK" baseline="0" dirty="0" err="1" smtClean="0"/>
-              <a:t>attributes</a:t>
-            </a:r>
-            <a:r>
-              <a:rPr lang="da-DK" baseline="0" dirty="0" smtClean="0"/>
-              <a:t>: </a:t>
-            </a:r>
-            <a:r>
-              <a:rPr lang="en-US" dirty="0" smtClean="0"/>
-              <a:t>C# provides a mechanism for defining declarative tags, called attributes, which you can place on certain entities in your source code to specify additional information. The information can be retrieved at run-time.</a:t>
-            </a:r>
-            <a:r>
-              <a:rPr lang="da-DK" baseline="0" dirty="0" smtClean="0"/>
-              <a:t> </a:t>
-            </a:r>
-            <a:r>
-              <a:rPr lang="en-US" sz="1200" kern="1200" baseline="0" dirty="0" smtClean="0">
-                <a:solidFill>
-                  <a:schemeClr val="tx1"/>
-                </a:solidFill>
-                <a:latin typeface="+mn-lt"/>
-                <a:ea typeface="+mn-ea"/>
-                <a:cs typeface="+mn-cs"/>
-              </a:rPr>
-              <a:t>[</a:t>
-            </a:r>
-            <a:r>
-              <a:rPr lang="en-US" sz="1200" kern="1200" baseline="0" dirty="0" err="1" smtClean="0">
-                <a:solidFill>
-                  <a:schemeClr val="tx1"/>
-                </a:solidFill>
-                <a:latin typeface="+mn-lt"/>
-                <a:ea typeface="+mn-ea"/>
-                <a:cs typeface="+mn-cs"/>
-              </a:rPr>
-              <a:t>Serializable</a:t>
-            </a:r>
-            <a:r>
-              <a:rPr lang="en-US" sz="1200" kern="1200" baseline="0" dirty="0" smtClean="0">
-                <a:solidFill>
-                  <a:schemeClr val="tx1"/>
-                </a:solidFill>
-                <a:latin typeface="+mn-lt"/>
-                <a:ea typeface="+mn-ea"/>
-                <a:cs typeface="+mn-cs"/>
-              </a:rPr>
-              <a:t>] is an attribute used when working with objects </a:t>
-            </a:r>
-            <a:r>
-              <a:rPr lang="en-US" sz="1200" kern="1200" baseline="0" smtClean="0">
-                <a:solidFill>
-                  <a:schemeClr val="tx1"/>
-                </a:solidFill>
-                <a:latin typeface="+mn-lt"/>
-                <a:ea typeface="+mn-ea"/>
-                <a:cs typeface="+mn-cs"/>
-              </a:rPr>
-              <a:t>and files.</a:t>
-            </a:r>
-            <a:endParaRPr lang="da-DK" baseline="0" dirty="0" smtClean="0"/>
-          </a:p>
-          <a:p>
-            <a:pPr marL="0" marR="0" indent="0" algn="l" defTabSz="914400" rtl="0" eaLnBrk="1" fontAlgn="auto" latinLnBrk="0" hangingPunct="1">
-              <a:lnSpc>
-                <a:spcPct val="100000"/>
-              </a:lnSpc>
-              <a:spcBef>
-                <a:spcPts val="0"/>
-              </a:spcBef>
-              <a:spcAft>
-                <a:spcPts val="0"/>
-              </a:spcAft>
-              <a:buClrTx/>
-              <a:buSzTx/>
-              <a:buFontTx/>
-              <a:buNone/>
-              <a:tabLst/>
-              <a:defRPr/>
-            </a:pPr>
-            <a:r>
-              <a:rPr lang="da-DK" baseline="0" dirty="0" err="1" smtClean="0"/>
-              <a:t>Access-modifiers</a:t>
-            </a:r>
-            <a:r>
-              <a:rPr lang="da-DK" baseline="0" dirty="0" smtClean="0"/>
-              <a:t>: </a:t>
-            </a:r>
-            <a:r>
-              <a:rPr lang="da-DK" b="1" baseline="0" dirty="0" smtClean="0"/>
-              <a:t>public</a:t>
-            </a:r>
-            <a:r>
-              <a:rPr lang="da-DK" baseline="0" dirty="0" smtClean="0"/>
-              <a:t>, </a:t>
-            </a:r>
-            <a:r>
-              <a:rPr lang="da-DK" b="1" baseline="0" dirty="0" smtClean="0"/>
-              <a:t>private</a:t>
-            </a:r>
-            <a:r>
-              <a:rPr lang="da-DK" baseline="0" dirty="0" smtClean="0"/>
-              <a:t>, </a:t>
-            </a:r>
-            <a:r>
-              <a:rPr lang="da-DK" b="1" baseline="0" dirty="0" err="1" smtClean="0"/>
-              <a:t>protected</a:t>
-            </a:r>
-            <a:r>
-              <a:rPr lang="da-DK" baseline="0" dirty="0" smtClean="0"/>
-              <a:t>, </a:t>
-            </a:r>
-            <a:r>
-              <a:rPr lang="da-DK" b="1" baseline="0" dirty="0" err="1" smtClean="0"/>
-              <a:t>internal</a:t>
-            </a:r>
-            <a:r>
-              <a:rPr lang="da-DK" baseline="0" dirty="0" smtClean="0"/>
-              <a:t> and </a:t>
-            </a:r>
-            <a:r>
-              <a:rPr lang="da-DK" b="1" baseline="0" dirty="0" err="1" smtClean="0"/>
-              <a:t>protected</a:t>
-            </a:r>
-            <a:r>
-              <a:rPr lang="da-DK" b="1" baseline="0" dirty="0" smtClean="0"/>
-              <a:t> </a:t>
-            </a:r>
-            <a:r>
-              <a:rPr lang="da-DK" b="1" baseline="0" dirty="0" err="1" smtClean="0"/>
-              <a:t>internal</a:t>
-            </a:r>
-            <a:r>
-              <a:rPr lang="da-DK" baseline="0" dirty="0" smtClean="0"/>
-              <a:t>. </a:t>
-            </a:r>
-            <a:r>
-              <a:rPr lang="da-DK" b="1" baseline="0" dirty="0" smtClean="0"/>
-              <a:t>private</a:t>
-            </a:r>
-            <a:r>
-              <a:rPr lang="da-DK" baseline="0" dirty="0" smtClean="0"/>
-              <a:t> is the default </a:t>
-            </a:r>
-            <a:r>
-              <a:rPr lang="da-DK" baseline="0" dirty="0" err="1" smtClean="0"/>
-              <a:t>modifier</a:t>
-            </a:r>
-            <a:r>
-              <a:rPr lang="da-DK" baseline="0" dirty="0" smtClean="0"/>
-              <a:t>.</a:t>
-            </a:r>
-          </a:p>
-          <a:p>
-            <a:pPr marL="0" marR="0" indent="0" algn="l" defTabSz="914400" rtl="0" eaLnBrk="1" fontAlgn="auto" latinLnBrk="0" hangingPunct="1">
-              <a:lnSpc>
-                <a:spcPct val="100000"/>
-              </a:lnSpc>
-              <a:spcBef>
-                <a:spcPts val="0"/>
-              </a:spcBef>
-              <a:spcAft>
-                <a:spcPts val="0"/>
-              </a:spcAft>
-              <a:buClrTx/>
-              <a:buSzTx/>
-              <a:buFontTx/>
-              <a:buNone/>
-              <a:tabLst/>
-              <a:defRPr/>
-            </a:pPr>
-            <a:r>
-              <a:rPr lang="da-DK" baseline="0" dirty="0" err="1" smtClean="0"/>
-              <a:t>Base-class</a:t>
-            </a:r>
-            <a:r>
-              <a:rPr lang="da-DK" baseline="0" dirty="0" smtClean="0"/>
-              <a:t> is the </a:t>
-            </a:r>
-            <a:r>
-              <a:rPr lang="da-DK" baseline="0" dirty="0" err="1" smtClean="0"/>
-              <a:t>class</a:t>
-            </a:r>
-            <a:r>
-              <a:rPr lang="da-DK" baseline="0" dirty="0" smtClean="0"/>
-              <a:t> </a:t>
-            </a:r>
-            <a:r>
-              <a:rPr lang="da-DK" baseline="0" dirty="0" err="1" smtClean="0"/>
-              <a:t>that</a:t>
-            </a:r>
-            <a:r>
-              <a:rPr lang="da-DK" baseline="0" dirty="0" smtClean="0"/>
-              <a:t> </a:t>
-            </a:r>
-            <a:r>
-              <a:rPr lang="da-DK" baseline="0" dirty="0" err="1" smtClean="0"/>
-              <a:t>this</a:t>
-            </a:r>
-            <a:r>
-              <a:rPr lang="da-DK" baseline="0" dirty="0" smtClean="0"/>
-              <a:t> </a:t>
-            </a:r>
-            <a:r>
-              <a:rPr lang="da-DK" baseline="0" dirty="0" err="1" smtClean="0"/>
-              <a:t>newly</a:t>
-            </a:r>
-            <a:r>
-              <a:rPr lang="da-DK" baseline="0" dirty="0" smtClean="0"/>
-              <a:t> </a:t>
-            </a:r>
-            <a:r>
-              <a:rPr lang="da-DK" baseline="0" dirty="0" err="1" smtClean="0"/>
-              <a:t>declared</a:t>
-            </a:r>
-            <a:r>
-              <a:rPr lang="da-DK" baseline="0" dirty="0" smtClean="0"/>
-              <a:t> </a:t>
-            </a:r>
-            <a:r>
-              <a:rPr lang="da-DK" baseline="0" dirty="0" err="1" smtClean="0"/>
-              <a:t>class</a:t>
-            </a:r>
-            <a:r>
-              <a:rPr lang="da-DK" baseline="0" dirty="0" smtClean="0"/>
-              <a:t> </a:t>
-            </a:r>
-            <a:r>
-              <a:rPr lang="da-DK" baseline="0" dirty="0" err="1" smtClean="0"/>
-              <a:t>inherit</a:t>
-            </a:r>
-            <a:r>
-              <a:rPr lang="da-DK" baseline="0" dirty="0" smtClean="0"/>
-              <a:t> from.</a:t>
-            </a:r>
-          </a:p>
-          <a:p>
-            <a:pPr marL="0" marR="0" indent="0" algn="l" defTabSz="914400" rtl="0" eaLnBrk="1" fontAlgn="auto" latinLnBrk="0" hangingPunct="1">
-              <a:lnSpc>
-                <a:spcPct val="100000"/>
-              </a:lnSpc>
-              <a:spcBef>
-                <a:spcPts val="0"/>
-              </a:spcBef>
-              <a:spcAft>
-                <a:spcPts val="0"/>
-              </a:spcAft>
-              <a:buClrTx/>
-              <a:buSzTx/>
-              <a:buFontTx/>
-              <a:buNone/>
-              <a:tabLst/>
-              <a:defRPr/>
-            </a:pPr>
-            <a:r>
-              <a:rPr lang="en-US" sz="1200" dirty="0" smtClean="0"/>
-              <a:t>A C# </a:t>
-            </a:r>
-            <a:r>
-              <a:rPr lang="en-US" sz="1200" i="1" dirty="0" smtClean="0"/>
-              <a:t>interface</a:t>
-            </a:r>
-            <a:r>
-              <a:rPr lang="en-US" sz="1200" dirty="0" smtClean="0"/>
-              <a:t> is a collection of abstract methods and constants, that</a:t>
-            </a:r>
-            <a:r>
-              <a:rPr lang="en-US" sz="1200" baseline="0" dirty="0" smtClean="0"/>
-              <a:t> is they are not implemented just declared. When a class implements an interface, at guarantees all its clients that it support all the methods, properties etc…. Of the named interface.</a:t>
-            </a:r>
-            <a:endParaRPr lang="da-DK" baseline="0" dirty="0" smtClean="0"/>
-          </a:p>
-          <a:p>
-            <a:endParaRPr lang="da-DK" dirty="0" smtClean="0"/>
-          </a:p>
-          <a:p>
-            <a:r>
-              <a:rPr lang="da-DK" dirty="0" err="1" smtClean="0"/>
-              <a:t>Object</a:t>
-            </a:r>
-            <a:r>
-              <a:rPr lang="da-DK" dirty="0" smtClean="0"/>
-              <a:t> has a </a:t>
-            </a:r>
-            <a:r>
-              <a:rPr lang="da-DK" dirty="0" err="1" smtClean="0"/>
-              <a:t>state</a:t>
-            </a:r>
-            <a:r>
-              <a:rPr lang="da-DK" dirty="0" smtClean="0"/>
-              <a:t>(</a:t>
-            </a:r>
-            <a:r>
-              <a:rPr lang="da-DK" dirty="0" err="1" smtClean="0"/>
-              <a:t>current</a:t>
-            </a:r>
-            <a:r>
-              <a:rPr lang="da-DK" baseline="0" dirty="0" err="1" smtClean="0"/>
-              <a:t>Balance</a:t>
-            </a:r>
-            <a:r>
-              <a:rPr lang="da-DK" baseline="0" dirty="0" smtClean="0"/>
-              <a:t> in an </a:t>
-            </a:r>
-            <a:r>
-              <a:rPr lang="da-DK" baseline="0" dirty="0" err="1" smtClean="0"/>
-              <a:t>account</a:t>
-            </a:r>
-            <a:r>
-              <a:rPr lang="da-DK" baseline="0" dirty="0" smtClean="0"/>
-              <a:t> </a:t>
-            </a:r>
-            <a:r>
-              <a:rPr lang="da-DK" baseline="0" dirty="0" err="1" smtClean="0"/>
-              <a:t>object</a:t>
-            </a:r>
-            <a:r>
-              <a:rPr lang="da-DK" dirty="0" smtClean="0"/>
-              <a:t>) and a set of </a:t>
-            </a:r>
-            <a:r>
-              <a:rPr lang="da-DK" dirty="0" err="1" smtClean="0"/>
-              <a:t>behaviors</a:t>
-            </a:r>
-            <a:r>
-              <a:rPr lang="da-DK" dirty="0" smtClean="0"/>
-              <a:t>(</a:t>
-            </a:r>
-            <a:r>
-              <a:rPr lang="da-DK" dirty="0" err="1" smtClean="0"/>
-              <a:t>activities</a:t>
-            </a:r>
-            <a:r>
-              <a:rPr lang="da-DK" dirty="0" smtClean="0"/>
-              <a:t> </a:t>
-            </a:r>
-            <a:r>
-              <a:rPr lang="da-DK" dirty="0" err="1" smtClean="0"/>
-              <a:t>associated</a:t>
-            </a:r>
-            <a:r>
-              <a:rPr lang="da-DK" dirty="0" smtClean="0"/>
-              <a:t> </a:t>
-            </a:r>
-            <a:r>
-              <a:rPr lang="da-DK" dirty="0" err="1" smtClean="0"/>
-              <a:t>with</a:t>
-            </a:r>
-            <a:r>
-              <a:rPr lang="da-DK" dirty="0" smtClean="0"/>
-              <a:t> the</a:t>
-            </a:r>
-            <a:r>
-              <a:rPr lang="da-DK" baseline="0" dirty="0" smtClean="0"/>
-              <a:t> </a:t>
-            </a:r>
-            <a:r>
-              <a:rPr lang="da-DK" baseline="0" dirty="0" err="1" smtClean="0"/>
-              <a:t>object</a:t>
-            </a:r>
-            <a:r>
-              <a:rPr lang="da-DK" baseline="0" dirty="0" smtClean="0"/>
-              <a:t>(</a:t>
-            </a:r>
-            <a:r>
-              <a:rPr lang="da-DK" baseline="0" dirty="0" err="1" smtClean="0"/>
-              <a:t>withdrawal</a:t>
-            </a:r>
-            <a:r>
-              <a:rPr lang="da-DK" baseline="0" dirty="0" smtClean="0"/>
-              <a:t> &amp; </a:t>
-            </a:r>
-            <a:r>
-              <a:rPr lang="da-DK" baseline="0" dirty="0" err="1" smtClean="0"/>
-              <a:t>deposit</a:t>
-            </a:r>
-            <a:r>
-              <a:rPr lang="da-DK" baseline="0" dirty="0" smtClean="0"/>
-              <a:t> in an </a:t>
-            </a:r>
-            <a:r>
-              <a:rPr lang="da-DK" baseline="0" dirty="0" err="1" smtClean="0"/>
-              <a:t>account</a:t>
-            </a:r>
-            <a:r>
-              <a:rPr lang="da-DK" baseline="0" dirty="0" smtClean="0"/>
-              <a:t> </a:t>
-            </a:r>
-            <a:r>
-              <a:rPr lang="da-DK" baseline="0" dirty="0" err="1" smtClean="0"/>
-              <a:t>object</a:t>
-            </a:r>
-            <a:r>
-              <a:rPr lang="da-DK" baseline="0" dirty="0" smtClean="0"/>
-              <a:t>)</a:t>
-            </a:r>
-            <a:r>
-              <a:rPr lang="da-DK" dirty="0" smtClean="0"/>
-              <a:t>).</a:t>
-            </a:r>
-          </a:p>
-          <a:p>
-            <a:r>
-              <a:rPr lang="da-DK" dirty="0" err="1" smtClean="0"/>
-              <a:t>Example</a:t>
-            </a:r>
-            <a:r>
-              <a:rPr lang="da-DK" dirty="0" smtClean="0"/>
-              <a:t>: </a:t>
-            </a:r>
-            <a:r>
-              <a:rPr lang="da-DK" dirty="0" err="1" smtClean="0"/>
-              <a:t>Console.Out.WriteLine</a:t>
-            </a:r>
-            <a:r>
-              <a:rPr lang="da-DK" baseline="0" dirty="0" smtClean="0"/>
-              <a:t>, </a:t>
-            </a:r>
-            <a:r>
-              <a:rPr lang="da-DK" baseline="0" dirty="0" err="1" smtClean="0"/>
-              <a:t>WriteLine</a:t>
-            </a:r>
-            <a:r>
-              <a:rPr lang="da-DK" baseline="0" dirty="0" smtClean="0"/>
-              <a:t> is a </a:t>
-            </a:r>
-            <a:r>
-              <a:rPr lang="da-DK" baseline="0" dirty="0" err="1" smtClean="0"/>
-              <a:t>method</a:t>
-            </a:r>
-            <a:r>
-              <a:rPr lang="da-DK" baseline="0" dirty="0" smtClean="0"/>
-              <a:t> </a:t>
-            </a:r>
-            <a:r>
-              <a:rPr lang="da-DK" baseline="0" dirty="0" err="1" smtClean="0"/>
-              <a:t>provided</a:t>
-            </a:r>
-            <a:r>
-              <a:rPr lang="da-DK" baseline="0" dirty="0" smtClean="0"/>
-              <a:t> by the </a:t>
-            </a:r>
-            <a:r>
-              <a:rPr lang="da-DK" baseline="0" dirty="0" err="1" smtClean="0"/>
-              <a:t>Console.Out</a:t>
-            </a:r>
-            <a:r>
-              <a:rPr lang="da-DK" baseline="0" dirty="0" smtClean="0"/>
-              <a:t> </a:t>
-            </a:r>
-            <a:r>
-              <a:rPr lang="da-DK" baseline="0" dirty="0" err="1" smtClean="0"/>
-              <a:t>object</a:t>
-            </a:r>
-            <a:r>
-              <a:rPr lang="da-DK" baseline="0" dirty="0" smtClean="0"/>
-              <a:t>, </a:t>
-            </a:r>
-            <a:r>
-              <a:rPr lang="da-DK" baseline="0" dirty="0" err="1" smtClean="0"/>
-              <a:t>where</a:t>
-            </a:r>
-            <a:r>
-              <a:rPr lang="da-DK" baseline="0" dirty="0" smtClean="0"/>
-              <a:t> .Out is an </a:t>
-            </a:r>
-            <a:r>
-              <a:rPr lang="da-DK" baseline="0" dirty="0" err="1" smtClean="0"/>
-              <a:t>object</a:t>
-            </a:r>
-            <a:r>
-              <a:rPr lang="da-DK" baseline="0" dirty="0" smtClean="0"/>
-              <a:t> variable </a:t>
-            </a:r>
-            <a:r>
-              <a:rPr lang="da-DK" baseline="0" dirty="0" err="1" smtClean="0"/>
-              <a:t>that</a:t>
-            </a:r>
-            <a:r>
-              <a:rPr lang="da-DK" baseline="0" dirty="0" smtClean="0"/>
-              <a:t> is </a:t>
-            </a:r>
-            <a:r>
-              <a:rPr lang="da-DK" baseline="0" dirty="0" err="1" smtClean="0"/>
-              <a:t>stored</a:t>
-            </a:r>
-            <a:r>
-              <a:rPr lang="da-DK" baseline="0" dirty="0" smtClean="0"/>
-              <a:t> in the </a:t>
-            </a:r>
-            <a:r>
-              <a:rPr lang="da-DK" baseline="0" dirty="0" err="1" smtClean="0"/>
-              <a:t>Console</a:t>
-            </a:r>
-            <a:r>
-              <a:rPr lang="da-DK" baseline="0" dirty="0" smtClean="0"/>
-              <a:t> </a:t>
-            </a:r>
-            <a:r>
-              <a:rPr lang="da-DK" baseline="0" dirty="0" err="1" smtClean="0"/>
-              <a:t>class</a:t>
-            </a:r>
-            <a:r>
-              <a:rPr lang="da-DK" baseline="0" dirty="0" smtClean="0"/>
-              <a:t>.</a:t>
-            </a:r>
-          </a:p>
-          <a:p>
-            <a:endParaRPr lang="da-DK" dirty="0"/>
+            <a:endParaRPr lang="en-US" noProof="0" dirty="0"/>
           </a:p>
         </p:txBody>
       </p:sp>
@@ -1321,983 +717,6 @@
               <a:rPr lang="en-US" smtClean="0"/>
               <a:pPr/>
               <a:t>2</a:t>
-            </a:fld>
-            <a:endParaRPr lang="en-US"/>
-          </a:p>
-        </p:txBody>
-      </p:sp>
-    </p:spTree>
-  </p:cSld>
-  <p:clrMapOvr>
-    <a:masterClrMapping/>
-  </p:clrMapOvr>
-</p:notes>
-</file>
-
-<file path=ppt/notesSlides/notesSlide3.xml><?xml version="1.0" encoding="utf-8"?>
-<p:notes xmlns:a="http://schemas.openxmlformats.org/drawingml/2006/main" xmlns:r="http://schemas.openxmlformats.org/officeDocument/2006/relationships" xmlns:p="http://schemas.openxmlformats.org/presentationml/2006/main">
-  <p:cSld>
-    <p:spTree>
-      <p:nvGrpSpPr>
-        <p:cNvPr id="1" name=""/>
-        <p:cNvGrpSpPr/>
-        <p:nvPr/>
-      </p:nvGrpSpPr>
-      <p:grpSpPr>
-        <a:xfrm>
-          <a:off x="0" y="0"/>
-          <a:ext cx="0" cy="0"/>
-          <a:chOff x="0" y="0"/>
-          <a:chExt cx="0" cy="0"/>
-        </a:xfrm>
-      </p:grpSpPr>
-      <p:sp>
-        <p:nvSpPr>
-          <p:cNvPr id="2" name="Pladsholder til diasbillede 1"/>
-          <p:cNvSpPr>
-            <a:spLocks noGrp="1" noRot="1" noChangeAspect="1"/>
-          </p:cNvSpPr>
-          <p:nvPr>
-            <p:ph type="sldImg"/>
-          </p:nvPr>
-        </p:nvSpPr>
-        <p:spPr/>
-      </p:sp>
-      <p:sp>
-        <p:nvSpPr>
-          <p:cNvPr id="3" name="Pladsholder til noter 2"/>
-          <p:cNvSpPr>
-            <a:spLocks noGrp="1"/>
-          </p:cNvSpPr>
-          <p:nvPr>
-            <p:ph type="body" idx="1"/>
-          </p:nvPr>
-        </p:nvSpPr>
-        <p:spPr/>
-        <p:txBody>
-          <a:bodyPr>
-            <a:normAutofit/>
-          </a:bodyPr>
-          <a:lstStyle/>
-          <a:p>
-            <a:r>
-              <a:rPr lang="en-US" sz="1200" kern="1200" baseline="0" dirty="0" smtClean="0">
-                <a:solidFill>
-                  <a:schemeClr val="tx1"/>
-                </a:solidFill>
-                <a:latin typeface="+mn-lt"/>
-                <a:ea typeface="+mn-ea"/>
-                <a:cs typeface="+mn-cs"/>
-              </a:rPr>
-              <a:t>When a class </a:t>
-            </a:r>
-            <a:r>
-              <a:rPr lang="en-US" sz="1200" i="1" kern="1200" baseline="0" dirty="0" smtClean="0">
-                <a:solidFill>
-                  <a:schemeClr val="tx1"/>
-                </a:solidFill>
-                <a:latin typeface="+mn-lt"/>
-                <a:ea typeface="+mn-ea"/>
-                <a:cs typeface="+mn-cs"/>
-              </a:rPr>
-              <a:t>implements an interface, it tells any potential client “I guarantee I’ll</a:t>
-            </a:r>
-          </a:p>
-          <a:p>
-            <a:r>
-              <a:rPr lang="en-US" sz="1200" kern="1200" baseline="0" dirty="0" smtClean="0">
-                <a:solidFill>
-                  <a:schemeClr val="tx1"/>
-                </a:solidFill>
-                <a:latin typeface="+mn-lt"/>
-                <a:ea typeface="+mn-ea"/>
-                <a:cs typeface="+mn-cs"/>
-              </a:rPr>
-              <a:t>support </a:t>
-            </a:r>
-            <a:r>
-              <a:rPr lang="en-US" sz="1200" i="1" kern="1200" baseline="0" dirty="0" smtClean="0">
-                <a:solidFill>
-                  <a:schemeClr val="tx1"/>
-                </a:solidFill>
-                <a:latin typeface="+mn-lt"/>
-                <a:ea typeface="+mn-ea"/>
-                <a:cs typeface="+mn-cs"/>
-              </a:rPr>
-              <a:t>all the methods, properties, events, and indexers of the named interface.”</a:t>
-            </a:r>
-          </a:p>
-          <a:p>
-            <a:r>
-              <a:rPr lang="en-US" sz="1200" i="0" kern="1200" baseline="0" dirty="0" smtClean="0">
-                <a:solidFill>
-                  <a:schemeClr val="tx1"/>
-                </a:solidFill>
-                <a:latin typeface="+mn-lt"/>
-                <a:ea typeface="+mn-ea"/>
-                <a:cs typeface="+mn-cs"/>
-              </a:rPr>
-              <a:t>A class that implements an interface MUST! implement all the interface defined methods, properties, indexers and events.</a:t>
-            </a:r>
-          </a:p>
-          <a:p>
-            <a:endParaRPr lang="da-DK" i="0" dirty="0"/>
-          </a:p>
-        </p:txBody>
-      </p:sp>
-      <p:sp>
-        <p:nvSpPr>
-          <p:cNvPr id="4" name="Pladsholder til diasnummer 3"/>
-          <p:cNvSpPr>
-            <a:spLocks noGrp="1"/>
-          </p:cNvSpPr>
-          <p:nvPr>
-            <p:ph type="sldNum" sz="quarter" idx="10"/>
-          </p:nvPr>
-        </p:nvSpPr>
-        <p:spPr/>
-        <p:txBody>
-          <a:bodyPr/>
-          <a:lstStyle/>
-          <a:p>
-            <a:fld id="{6C3390C7-C92A-440B-B67D-36FF6D2DBAFD}" type="slidenum">
-              <a:rPr lang="en-US" smtClean="0"/>
-              <a:pPr/>
-              <a:t>4</a:t>
-            </a:fld>
-            <a:endParaRPr lang="en-US"/>
-          </a:p>
-        </p:txBody>
-      </p:sp>
-    </p:spTree>
-  </p:cSld>
-  <p:clrMapOvr>
-    <a:masterClrMapping/>
-  </p:clrMapOvr>
-</p:notes>
-</file>
-
-<file path=ppt/notesSlides/notesSlide4.xml><?xml version="1.0" encoding="utf-8"?>
-<p:notes xmlns:a="http://schemas.openxmlformats.org/drawingml/2006/main" xmlns:r="http://schemas.openxmlformats.org/officeDocument/2006/relationships" xmlns:p="http://schemas.openxmlformats.org/presentationml/2006/main">
-  <p:cSld>
-    <p:spTree>
-      <p:nvGrpSpPr>
-        <p:cNvPr id="1" name=""/>
-        <p:cNvGrpSpPr/>
-        <p:nvPr/>
-      </p:nvGrpSpPr>
-      <p:grpSpPr>
-        <a:xfrm>
-          <a:off x="0" y="0"/>
-          <a:ext cx="0" cy="0"/>
-          <a:chOff x="0" y="0"/>
-          <a:chExt cx="0" cy="0"/>
-        </a:xfrm>
-      </p:grpSpPr>
-      <p:sp>
-        <p:nvSpPr>
-          <p:cNvPr id="2" name="Pladsholder til diasbillede 1"/>
-          <p:cNvSpPr>
-            <a:spLocks noGrp="1" noRot="1" noChangeAspect="1"/>
-          </p:cNvSpPr>
-          <p:nvPr>
-            <p:ph type="sldImg"/>
-          </p:nvPr>
-        </p:nvSpPr>
-        <p:spPr/>
-      </p:sp>
-      <p:sp>
-        <p:nvSpPr>
-          <p:cNvPr id="3" name="Pladsholder til noter 2"/>
-          <p:cNvSpPr>
-            <a:spLocks noGrp="1"/>
-          </p:cNvSpPr>
-          <p:nvPr>
-            <p:ph type="body" idx="1"/>
-          </p:nvPr>
-        </p:nvSpPr>
-        <p:spPr/>
-        <p:txBody>
-          <a:bodyPr>
-            <a:normAutofit/>
-          </a:bodyPr>
-          <a:lstStyle/>
-          <a:p>
-            <a:r>
-              <a:rPr lang="en-US" noProof="0" dirty="0" smtClean="0"/>
-              <a:t>It represents</a:t>
-            </a:r>
-            <a:r>
-              <a:rPr lang="en-US" baseline="0" noProof="0" dirty="0" smtClean="0"/>
-              <a:t> a concept upon which other classes can build their definitions.</a:t>
-            </a:r>
-            <a:endParaRPr lang="en-US" noProof="0" dirty="0" smtClean="0"/>
-          </a:p>
-          <a:p>
-            <a:r>
-              <a:rPr lang="en-US" noProof="0" dirty="0" err="1" smtClean="0"/>
-              <a:t>Abstact</a:t>
-            </a:r>
-            <a:r>
-              <a:rPr lang="en-US" noProof="0" dirty="0" smtClean="0"/>
-              <a:t> methods are</a:t>
-            </a:r>
-            <a:r>
-              <a:rPr lang="en-US" baseline="0" noProof="0" dirty="0" smtClean="0"/>
-              <a:t> also used to define C# interface. Unlike interfaces an abstract class can contain methods that are not abstract it also can contain data declarations other than constants.</a:t>
-            </a:r>
-          </a:p>
-          <a:p>
-            <a:r>
-              <a:rPr lang="en-US" baseline="0" noProof="0" dirty="0" smtClean="0"/>
-              <a:t>Any class that contains abstract methods (unlike interfaces) must be declared as abstract.</a:t>
-            </a:r>
-          </a:p>
-          <a:p>
-            <a:r>
-              <a:rPr lang="en-US" baseline="0" noProof="0" dirty="0" smtClean="0"/>
-              <a:t>May contain a partial description that is inherited by all its descendants.</a:t>
-            </a:r>
-          </a:p>
-          <a:p>
-            <a:r>
-              <a:rPr lang="en-US" baseline="0" noProof="0" dirty="0" smtClean="0"/>
-              <a:t>The children must override all the parents abstract methods or the derived class will also be considered abstract.</a:t>
-            </a:r>
-          </a:p>
-          <a:p>
-            <a:r>
-              <a:rPr lang="en-US" baseline="0" noProof="0" dirty="0" smtClean="0"/>
-              <a:t>There are no restrictions where a abstract class is defined in the class hierarchy but usually they are </a:t>
-            </a:r>
-            <a:r>
-              <a:rPr lang="en-US" baseline="0" noProof="0" dirty="0" err="1" smtClean="0"/>
-              <a:t>locatede</a:t>
-            </a:r>
-            <a:r>
-              <a:rPr lang="en-US" baseline="0" noProof="0" dirty="0" smtClean="0"/>
-              <a:t> at the upper levels.</a:t>
-            </a:r>
-          </a:p>
-          <a:p>
-            <a:r>
-              <a:rPr lang="en-US" baseline="0" noProof="0" dirty="0" smtClean="0"/>
-              <a:t>An abstract method shouldn’t be modified as </a:t>
-            </a:r>
-            <a:r>
-              <a:rPr lang="en-US" b="1" baseline="0" noProof="0" dirty="0" smtClean="0"/>
-              <a:t>static </a:t>
-            </a:r>
-            <a:r>
-              <a:rPr lang="en-US" b="0" baseline="0" noProof="0" dirty="0" smtClean="0"/>
-              <a:t>because a static method can be invoked using the class name without declaring an object of the class. This is a contradiction because abstract methods have no implementation.</a:t>
-            </a:r>
-            <a:endParaRPr lang="en-US" baseline="0" noProof="0" dirty="0" smtClean="0"/>
-          </a:p>
-          <a:p>
-            <a:r>
-              <a:rPr lang="en-US" baseline="0" noProof="0" dirty="0" smtClean="0"/>
-              <a:t>By using abstract classes wisely, code can be created flexible and is important in extensible software designs. </a:t>
-            </a:r>
-            <a:endParaRPr lang="en-US" noProof="0" dirty="0"/>
-          </a:p>
-        </p:txBody>
-      </p:sp>
-      <p:sp>
-        <p:nvSpPr>
-          <p:cNvPr id="4" name="Pladsholder til diasnummer 3"/>
-          <p:cNvSpPr>
-            <a:spLocks noGrp="1"/>
-          </p:cNvSpPr>
-          <p:nvPr>
-            <p:ph type="sldNum" sz="quarter" idx="10"/>
-          </p:nvPr>
-        </p:nvSpPr>
-        <p:spPr/>
-        <p:txBody>
-          <a:bodyPr/>
-          <a:lstStyle/>
-          <a:p>
-            <a:fld id="{6C3390C7-C92A-440B-B67D-36FF6D2DBAFD}" type="slidenum">
-              <a:rPr lang="en-US" smtClean="0"/>
-              <a:pPr/>
-              <a:t>5</a:t>
-            </a:fld>
-            <a:endParaRPr lang="en-US"/>
-          </a:p>
-        </p:txBody>
-      </p:sp>
-    </p:spTree>
-  </p:cSld>
-  <p:clrMapOvr>
-    <a:masterClrMapping/>
-  </p:clrMapOvr>
-</p:notes>
-</file>
-
-<file path=ppt/notesSlides/notesSlide5.xml><?xml version="1.0" encoding="utf-8"?>
-<p:notes xmlns:a="http://schemas.openxmlformats.org/drawingml/2006/main" xmlns:r="http://schemas.openxmlformats.org/officeDocument/2006/relationships" xmlns:p="http://schemas.openxmlformats.org/presentationml/2006/main">
-  <p:cSld>
-    <p:spTree>
-      <p:nvGrpSpPr>
-        <p:cNvPr id="1" name=""/>
-        <p:cNvGrpSpPr/>
-        <p:nvPr/>
-      </p:nvGrpSpPr>
-      <p:grpSpPr>
-        <a:xfrm>
-          <a:off x="0" y="0"/>
-          <a:ext cx="0" cy="0"/>
-          <a:chOff x="0" y="0"/>
-          <a:chExt cx="0" cy="0"/>
-        </a:xfrm>
-      </p:grpSpPr>
-      <p:sp>
-        <p:nvSpPr>
-          <p:cNvPr id="2" name="Pladsholder til diasbillede 1"/>
-          <p:cNvSpPr>
-            <a:spLocks noGrp="1" noRot="1" noChangeAspect="1"/>
-          </p:cNvSpPr>
-          <p:nvPr>
-            <p:ph type="sldImg"/>
-          </p:nvPr>
-        </p:nvSpPr>
-        <p:spPr/>
-      </p:sp>
-      <p:sp>
-        <p:nvSpPr>
-          <p:cNvPr id="3" name="Pladsholder til noter 2"/>
-          <p:cNvSpPr>
-            <a:spLocks noGrp="1"/>
-          </p:cNvSpPr>
-          <p:nvPr>
-            <p:ph type="body" idx="1"/>
-          </p:nvPr>
-        </p:nvSpPr>
-        <p:spPr/>
-        <p:txBody>
-          <a:bodyPr>
-            <a:normAutofit/>
-          </a:bodyPr>
-          <a:lstStyle/>
-          <a:p>
-            <a:r>
-              <a:rPr lang="da-DK" dirty="0" err="1" smtClean="0"/>
-              <a:t>Objects</a:t>
-            </a:r>
-            <a:r>
-              <a:rPr lang="da-DK" dirty="0" smtClean="0"/>
-              <a:t> </a:t>
-            </a:r>
-            <a:r>
-              <a:rPr lang="da-DK" dirty="0" err="1" smtClean="0"/>
-              <a:t>on</a:t>
-            </a:r>
-            <a:r>
-              <a:rPr lang="da-DK" dirty="0" smtClean="0"/>
-              <a:t> the </a:t>
-            </a:r>
-            <a:r>
-              <a:rPr lang="da-DK" dirty="0" err="1" smtClean="0"/>
-              <a:t>heap</a:t>
-            </a:r>
-            <a:r>
-              <a:rPr lang="da-DK" dirty="0" smtClean="0"/>
-              <a:t> </a:t>
-            </a:r>
-            <a:r>
-              <a:rPr lang="da-DK" dirty="0" err="1" smtClean="0"/>
-              <a:t>are</a:t>
-            </a:r>
-            <a:r>
-              <a:rPr lang="da-DK" dirty="0" smtClean="0"/>
-              <a:t> </a:t>
-            </a:r>
-            <a:r>
-              <a:rPr lang="da-DK" dirty="0" err="1" smtClean="0"/>
-              <a:t>automatically</a:t>
-            </a:r>
-            <a:r>
-              <a:rPr lang="da-DK" dirty="0" smtClean="0"/>
-              <a:t> </a:t>
-            </a:r>
-            <a:r>
-              <a:rPr lang="da-DK" dirty="0" err="1" smtClean="0"/>
-              <a:t>destroyed</a:t>
-            </a:r>
-            <a:r>
-              <a:rPr lang="da-DK" dirty="0" smtClean="0"/>
-              <a:t> </a:t>
-            </a:r>
-            <a:r>
-              <a:rPr lang="da-DK" dirty="0" err="1" smtClean="0"/>
-              <a:t>some</a:t>
-            </a:r>
-            <a:r>
-              <a:rPr lang="da-DK" dirty="0" smtClean="0"/>
-              <a:t> time </a:t>
-            </a:r>
-            <a:r>
-              <a:rPr lang="da-DK" dirty="0" err="1" smtClean="0"/>
-              <a:t>after</a:t>
-            </a:r>
-            <a:r>
-              <a:rPr lang="da-DK" dirty="0" smtClean="0"/>
-              <a:t> the final</a:t>
-            </a:r>
-            <a:r>
-              <a:rPr lang="da-DK" baseline="0" dirty="0" smtClean="0"/>
-              <a:t> reference to </a:t>
-            </a:r>
-            <a:r>
-              <a:rPr lang="da-DK" baseline="0" dirty="0" err="1" smtClean="0"/>
-              <a:t>them</a:t>
-            </a:r>
-            <a:r>
-              <a:rPr lang="da-DK" baseline="0" dirty="0" smtClean="0"/>
-              <a:t> is </a:t>
-            </a:r>
-            <a:r>
-              <a:rPr lang="da-DK" baseline="0" dirty="0" err="1" smtClean="0"/>
-              <a:t>destroyed</a:t>
-            </a:r>
-            <a:r>
-              <a:rPr lang="da-DK" baseline="0" dirty="0" smtClean="0"/>
-              <a:t>.</a:t>
-            </a:r>
-          </a:p>
-          <a:p>
-            <a:r>
-              <a:rPr lang="da-DK" baseline="0" dirty="0" smtClean="0"/>
-              <a:t>The </a:t>
-            </a:r>
-            <a:r>
-              <a:rPr lang="da-DK" baseline="0" dirty="0" err="1" smtClean="0"/>
-              <a:t>destructor</a:t>
-            </a:r>
-            <a:r>
-              <a:rPr lang="da-DK" baseline="0" dirty="0" smtClean="0"/>
-              <a:t> is </a:t>
-            </a:r>
-            <a:r>
-              <a:rPr lang="da-DK" baseline="0" dirty="0" err="1" smtClean="0"/>
-              <a:t>called</a:t>
-            </a:r>
-            <a:r>
-              <a:rPr lang="da-DK" baseline="0" dirty="0" smtClean="0"/>
-              <a:t> by the </a:t>
-            </a:r>
-            <a:r>
-              <a:rPr lang="da-DK" baseline="0" dirty="0" err="1" smtClean="0"/>
-              <a:t>garbage</a:t>
-            </a:r>
-            <a:r>
-              <a:rPr lang="da-DK" baseline="0" dirty="0" smtClean="0"/>
-              <a:t> </a:t>
-            </a:r>
-            <a:r>
-              <a:rPr lang="da-DK" baseline="0" dirty="0" err="1" smtClean="0"/>
-              <a:t>collector</a:t>
-            </a:r>
-            <a:r>
-              <a:rPr lang="da-DK" baseline="0" dirty="0" smtClean="0"/>
-              <a:t> </a:t>
-            </a:r>
-            <a:r>
-              <a:rPr lang="da-DK" baseline="0" dirty="0" err="1" smtClean="0"/>
-              <a:t>when</a:t>
-            </a:r>
-            <a:r>
-              <a:rPr lang="da-DK" baseline="0" dirty="0" smtClean="0"/>
-              <a:t> the </a:t>
-            </a:r>
-            <a:r>
-              <a:rPr lang="da-DK" baseline="0" dirty="0" err="1" smtClean="0"/>
-              <a:t>your</a:t>
-            </a:r>
-            <a:r>
-              <a:rPr lang="da-DK" baseline="0" dirty="0" smtClean="0"/>
-              <a:t> </a:t>
-            </a:r>
-            <a:r>
-              <a:rPr lang="da-DK" baseline="0" dirty="0" err="1" smtClean="0"/>
-              <a:t>object</a:t>
-            </a:r>
-            <a:r>
-              <a:rPr lang="da-DK" baseline="0" dirty="0" smtClean="0"/>
-              <a:t> is </a:t>
-            </a:r>
-            <a:r>
-              <a:rPr lang="da-DK" baseline="0" dirty="0" err="1" smtClean="0"/>
-              <a:t>destroyed</a:t>
-            </a:r>
-            <a:r>
-              <a:rPr lang="da-DK" baseline="0" dirty="0" smtClean="0"/>
-              <a:t>.</a:t>
-            </a:r>
-          </a:p>
-          <a:p>
-            <a:r>
-              <a:rPr lang="da-DK" baseline="0" dirty="0" err="1" smtClean="0"/>
-              <a:t>You</a:t>
-            </a:r>
-            <a:r>
-              <a:rPr lang="da-DK" baseline="0" dirty="0" smtClean="0"/>
-              <a:t> </a:t>
-            </a:r>
-            <a:r>
-              <a:rPr lang="da-DK" baseline="0" dirty="0" err="1" smtClean="0"/>
-              <a:t>can’t</a:t>
-            </a:r>
-            <a:r>
-              <a:rPr lang="da-DK" baseline="0" dirty="0" smtClean="0"/>
-              <a:t> </a:t>
-            </a:r>
-            <a:r>
-              <a:rPr lang="da-DK" baseline="0" dirty="0" err="1" smtClean="0"/>
-              <a:t>call</a:t>
-            </a:r>
-            <a:r>
-              <a:rPr lang="da-DK" baseline="0" dirty="0" smtClean="0"/>
-              <a:t> an </a:t>
-            </a:r>
-            <a:r>
-              <a:rPr lang="da-DK" baseline="0" dirty="0" err="1" smtClean="0"/>
-              <a:t>object’s</a:t>
-            </a:r>
-            <a:r>
-              <a:rPr lang="da-DK" baseline="0" dirty="0" smtClean="0"/>
-              <a:t> </a:t>
-            </a:r>
-            <a:r>
-              <a:rPr lang="da-DK" baseline="0" dirty="0" err="1" smtClean="0"/>
-              <a:t>destructor</a:t>
-            </a:r>
-            <a:r>
-              <a:rPr lang="da-DK" baseline="0" dirty="0" smtClean="0"/>
-              <a:t> </a:t>
-            </a:r>
-            <a:r>
-              <a:rPr lang="da-DK" baseline="0" dirty="0" err="1" smtClean="0"/>
-              <a:t>directly</a:t>
-            </a:r>
-            <a:r>
-              <a:rPr lang="da-DK" baseline="0" dirty="0" smtClean="0"/>
-              <a:t>. The </a:t>
-            </a:r>
-            <a:r>
-              <a:rPr lang="da-DK" baseline="0" dirty="0" err="1" smtClean="0"/>
-              <a:t>garbage</a:t>
-            </a:r>
-            <a:r>
-              <a:rPr lang="da-DK" baseline="0" dirty="0" smtClean="0"/>
-              <a:t> </a:t>
-            </a:r>
-            <a:r>
-              <a:rPr lang="da-DK" baseline="0" dirty="0" err="1" smtClean="0"/>
-              <a:t>collector</a:t>
-            </a:r>
-            <a:r>
-              <a:rPr lang="da-DK" baseline="0" dirty="0" smtClean="0"/>
-              <a:t> </a:t>
-            </a:r>
-            <a:r>
-              <a:rPr lang="da-DK" baseline="0" dirty="0" err="1" smtClean="0"/>
-              <a:t>will</a:t>
-            </a:r>
-            <a:r>
-              <a:rPr lang="da-DK" baseline="0" dirty="0" smtClean="0"/>
-              <a:t> </a:t>
-            </a:r>
-            <a:r>
-              <a:rPr lang="da-DK" baseline="0" dirty="0" err="1" smtClean="0"/>
-              <a:t>call</a:t>
-            </a:r>
-            <a:r>
-              <a:rPr lang="da-DK" baseline="0" dirty="0" smtClean="0"/>
-              <a:t> it for </a:t>
-            </a:r>
-            <a:r>
-              <a:rPr lang="da-DK" baseline="0" dirty="0" err="1" smtClean="0"/>
-              <a:t>you</a:t>
-            </a:r>
-            <a:r>
-              <a:rPr lang="da-DK" baseline="0" dirty="0" smtClean="0"/>
-              <a:t>.</a:t>
-            </a:r>
-          </a:p>
-          <a:p>
-            <a:r>
-              <a:rPr lang="da-DK" baseline="0" dirty="0" err="1" smtClean="0"/>
-              <a:t>Garbage</a:t>
-            </a:r>
-            <a:r>
-              <a:rPr lang="da-DK" baseline="0" dirty="0" smtClean="0"/>
-              <a:t> </a:t>
-            </a:r>
-            <a:r>
-              <a:rPr lang="da-DK" baseline="0" dirty="0" err="1" smtClean="0"/>
-              <a:t>collector</a:t>
-            </a:r>
-            <a:r>
-              <a:rPr lang="da-DK" baseline="0" dirty="0" smtClean="0"/>
-              <a:t> has a list of all </a:t>
-            </a:r>
-            <a:r>
-              <a:rPr lang="da-DK" baseline="0" dirty="0" err="1" smtClean="0"/>
-              <a:t>objects</a:t>
-            </a:r>
-            <a:r>
-              <a:rPr lang="da-DK" baseline="0" dirty="0" smtClean="0"/>
-              <a:t> </a:t>
-            </a:r>
-            <a:r>
-              <a:rPr lang="da-DK" baseline="0" dirty="0" err="1" smtClean="0"/>
-              <a:t>that</a:t>
-            </a:r>
-            <a:r>
-              <a:rPr lang="da-DK" baseline="0" dirty="0" smtClean="0"/>
-              <a:t> have a </a:t>
-            </a:r>
-            <a:r>
-              <a:rPr lang="da-DK" baseline="0" dirty="0" err="1" smtClean="0"/>
-              <a:t>destructor</a:t>
-            </a:r>
-            <a:r>
-              <a:rPr lang="da-DK" baseline="0" dirty="0" smtClean="0"/>
-              <a:t>. </a:t>
-            </a:r>
-            <a:r>
-              <a:rPr lang="da-DK" baseline="0" dirty="0" err="1" smtClean="0"/>
-              <a:t>This</a:t>
-            </a:r>
-            <a:r>
-              <a:rPr lang="da-DK" baseline="0" dirty="0" smtClean="0"/>
-              <a:t> list is </a:t>
-            </a:r>
-            <a:r>
-              <a:rPr lang="da-DK" baseline="0" dirty="0" err="1" smtClean="0"/>
-              <a:t>updated</a:t>
-            </a:r>
-            <a:r>
-              <a:rPr lang="da-DK" baseline="0" dirty="0" smtClean="0"/>
-              <a:t> </a:t>
-            </a:r>
-            <a:r>
-              <a:rPr lang="da-DK" baseline="0" dirty="0" err="1" smtClean="0"/>
-              <a:t>everytime</a:t>
-            </a:r>
-            <a:r>
-              <a:rPr lang="da-DK" baseline="0" dirty="0" smtClean="0"/>
-              <a:t> a an </a:t>
-            </a:r>
-            <a:r>
-              <a:rPr lang="da-DK" baseline="0" dirty="0" err="1" smtClean="0"/>
-              <a:t>object</a:t>
-            </a:r>
-            <a:r>
-              <a:rPr lang="da-DK" baseline="0" dirty="0" smtClean="0"/>
-              <a:t> </a:t>
-            </a:r>
-            <a:r>
-              <a:rPr lang="da-DK" baseline="0" dirty="0" err="1" smtClean="0"/>
-              <a:t>are</a:t>
-            </a:r>
-            <a:r>
-              <a:rPr lang="da-DK" baseline="0" dirty="0" smtClean="0"/>
-              <a:t> </a:t>
-            </a:r>
-            <a:r>
-              <a:rPr lang="da-DK" baseline="0" dirty="0" err="1" smtClean="0"/>
-              <a:t>created</a:t>
-            </a:r>
-            <a:r>
-              <a:rPr lang="da-DK" baseline="0" dirty="0" smtClean="0"/>
-              <a:t> and </a:t>
-            </a:r>
-            <a:r>
-              <a:rPr lang="da-DK" baseline="0" dirty="0" err="1" smtClean="0"/>
-              <a:t>detroyed</a:t>
-            </a:r>
-            <a:r>
-              <a:rPr lang="da-DK" baseline="0" dirty="0" smtClean="0"/>
-              <a:t>. </a:t>
-            </a:r>
-          </a:p>
-          <a:p>
-            <a:r>
-              <a:rPr lang="en-US" sz="1200" kern="1200" baseline="0" dirty="0" smtClean="0">
-                <a:solidFill>
-                  <a:schemeClr val="tx1"/>
-                </a:solidFill>
-                <a:latin typeface="+mn-lt"/>
-                <a:ea typeface="+mn-ea"/>
-                <a:cs typeface="+mn-cs"/>
-              </a:rPr>
-              <a:t>When an object on this list is first collected, it is placed in a queue with other objects</a:t>
-            </a:r>
-          </a:p>
-          <a:p>
-            <a:r>
-              <a:rPr lang="en-US" sz="1200" kern="1200" baseline="0" dirty="0" smtClean="0">
-                <a:solidFill>
-                  <a:schemeClr val="tx1"/>
-                </a:solidFill>
-                <a:latin typeface="+mn-lt"/>
-                <a:ea typeface="+mn-ea"/>
-                <a:cs typeface="+mn-cs"/>
-              </a:rPr>
-              <a:t>waiting to be destroyed. After the destructor executes, the garbage collector collects</a:t>
-            </a:r>
-          </a:p>
-          <a:p>
-            <a:r>
-              <a:rPr lang="en-US" sz="1200" kern="1200" baseline="0" dirty="0" smtClean="0">
-                <a:solidFill>
-                  <a:schemeClr val="tx1"/>
-                </a:solidFill>
-                <a:latin typeface="+mn-lt"/>
-                <a:ea typeface="+mn-ea"/>
-                <a:cs typeface="+mn-cs"/>
-              </a:rPr>
-              <a:t>the object and updates the queue, as well as its list of destructible objects.</a:t>
-            </a:r>
-          </a:p>
-          <a:p>
-            <a:r>
-              <a:rPr lang="en-US" sz="1200" kern="1200" baseline="0" dirty="0" smtClean="0">
-                <a:solidFill>
-                  <a:schemeClr val="tx1"/>
-                </a:solidFill>
-                <a:latin typeface="+mn-lt"/>
-                <a:ea typeface="+mn-ea"/>
-                <a:cs typeface="+mn-cs"/>
-              </a:rPr>
-              <a:t>A destructor must be declared for an object that controls unmanaged resources to explicitly free those. </a:t>
-            </a:r>
-            <a:endParaRPr lang="da-DK" dirty="0"/>
-          </a:p>
-        </p:txBody>
-      </p:sp>
-      <p:sp>
-        <p:nvSpPr>
-          <p:cNvPr id="4" name="Pladsholder til diasnummer 3"/>
-          <p:cNvSpPr>
-            <a:spLocks noGrp="1"/>
-          </p:cNvSpPr>
-          <p:nvPr>
-            <p:ph type="sldNum" sz="quarter" idx="10"/>
-          </p:nvPr>
-        </p:nvSpPr>
-        <p:spPr/>
-        <p:txBody>
-          <a:bodyPr/>
-          <a:lstStyle/>
-          <a:p>
-            <a:fld id="{6C3390C7-C92A-440B-B67D-36FF6D2DBAFD}" type="slidenum">
-              <a:rPr lang="en-US" smtClean="0"/>
-              <a:pPr/>
-              <a:t>8</a:t>
-            </a:fld>
-            <a:endParaRPr lang="en-US"/>
-          </a:p>
-        </p:txBody>
-      </p:sp>
-    </p:spTree>
-  </p:cSld>
-  <p:clrMapOvr>
-    <a:masterClrMapping/>
-  </p:clrMapOvr>
-</p:notes>
-</file>
-
-<file path=ppt/notesSlides/notesSlide6.xml><?xml version="1.0" encoding="utf-8"?>
-<p:notes xmlns:a="http://schemas.openxmlformats.org/drawingml/2006/main" xmlns:r="http://schemas.openxmlformats.org/officeDocument/2006/relationships" xmlns:p="http://schemas.openxmlformats.org/presentationml/2006/main">
-  <p:cSld>
-    <p:spTree>
-      <p:nvGrpSpPr>
-        <p:cNvPr id="1" name=""/>
-        <p:cNvGrpSpPr/>
-        <p:nvPr/>
-      </p:nvGrpSpPr>
-      <p:grpSpPr>
-        <a:xfrm>
-          <a:off x="0" y="0"/>
-          <a:ext cx="0" cy="0"/>
-          <a:chOff x="0" y="0"/>
-          <a:chExt cx="0" cy="0"/>
-        </a:xfrm>
-      </p:grpSpPr>
-      <p:sp>
-        <p:nvSpPr>
-          <p:cNvPr id="2" name="Pladsholder til diasbillede 1"/>
-          <p:cNvSpPr>
-            <a:spLocks noGrp="1" noRot="1" noChangeAspect="1"/>
-          </p:cNvSpPr>
-          <p:nvPr>
-            <p:ph type="sldImg"/>
-          </p:nvPr>
-        </p:nvSpPr>
-        <p:spPr/>
-      </p:sp>
-      <p:sp>
-        <p:nvSpPr>
-          <p:cNvPr id="3" name="Pladsholder til noter 2"/>
-          <p:cNvSpPr>
-            <a:spLocks noGrp="1"/>
-          </p:cNvSpPr>
-          <p:nvPr>
-            <p:ph type="body" idx="1"/>
-          </p:nvPr>
-        </p:nvSpPr>
-        <p:spPr/>
-        <p:txBody>
-          <a:bodyPr>
-            <a:normAutofit/>
-          </a:bodyPr>
-          <a:lstStyle/>
-          <a:p>
-            <a:pPr marL="0" marR="0" indent="0" algn="l" defTabSz="914400" rtl="0" eaLnBrk="1" fontAlgn="auto" latinLnBrk="0" hangingPunct="1">
-              <a:lnSpc>
-                <a:spcPct val="100000"/>
-              </a:lnSpc>
-              <a:spcBef>
-                <a:spcPts val="0"/>
-              </a:spcBef>
-              <a:spcAft>
-                <a:spcPts val="0"/>
-              </a:spcAft>
-              <a:buClrTx/>
-              <a:buSzTx/>
-              <a:buFontTx/>
-              <a:buNone/>
-              <a:tabLst/>
-              <a:defRPr/>
-            </a:pPr>
-            <a:r>
-              <a:rPr lang="en-US" dirty="0" smtClean="0"/>
-              <a:t>Our application uses list to contain the cards and the </a:t>
-            </a:r>
-            <a:r>
-              <a:rPr lang="en-US" dirty="0" err="1" smtClean="0"/>
-              <a:t>foreach</a:t>
-            </a:r>
-            <a:r>
-              <a:rPr lang="en-US" dirty="0" smtClean="0"/>
-              <a:t> statement to manage the cards</a:t>
-            </a:r>
-          </a:p>
-          <a:p>
-            <a:pPr marL="0" marR="0" indent="0" algn="l" defTabSz="914400" rtl="0" eaLnBrk="1" fontAlgn="auto" latinLnBrk="0" hangingPunct="1">
-              <a:lnSpc>
-                <a:spcPct val="100000"/>
-              </a:lnSpc>
-              <a:spcBef>
-                <a:spcPts val="0"/>
-              </a:spcBef>
-              <a:spcAft>
-                <a:spcPts val="0"/>
-              </a:spcAft>
-              <a:buClrTx/>
-              <a:buSzTx/>
-              <a:buFontTx/>
-              <a:buNone/>
-              <a:tabLst/>
-              <a:defRPr/>
-            </a:pPr>
-            <a:endParaRPr lang="en-US" dirty="0" smtClean="0"/>
-          </a:p>
-          <a:p>
-            <a:pPr marL="0" marR="0" indent="0" algn="l" defTabSz="914400" rtl="0" eaLnBrk="1" fontAlgn="auto" latinLnBrk="0" hangingPunct="1">
-              <a:lnSpc>
-                <a:spcPct val="100000"/>
-              </a:lnSpc>
-              <a:spcBef>
-                <a:spcPts val="0"/>
-              </a:spcBef>
-              <a:spcAft>
-                <a:spcPts val="0"/>
-              </a:spcAft>
-              <a:buClrTx/>
-              <a:buSzTx/>
-              <a:buFontTx/>
-              <a:buNone/>
-              <a:tabLst/>
-              <a:defRPr/>
-            </a:pPr>
-            <a:r>
-              <a:rPr lang="en-US" dirty="0" smtClean="0"/>
-              <a:t>Our application contains a</a:t>
-            </a:r>
-            <a:r>
-              <a:rPr lang="en-US" baseline="0" dirty="0" smtClean="0"/>
-              <a:t> simple card class, and a deck class.</a:t>
-            </a:r>
-          </a:p>
-          <a:p>
-            <a:pPr marL="0" marR="0" indent="0" algn="l" defTabSz="914400" rtl="0" eaLnBrk="1" fontAlgn="auto" latinLnBrk="0" hangingPunct="1">
-              <a:lnSpc>
-                <a:spcPct val="100000"/>
-              </a:lnSpc>
-              <a:spcBef>
-                <a:spcPts val="0"/>
-              </a:spcBef>
-              <a:spcAft>
-                <a:spcPts val="0"/>
-              </a:spcAft>
-              <a:buClrTx/>
-              <a:buSzTx/>
-              <a:buFontTx/>
-              <a:buNone/>
-              <a:tabLst/>
-              <a:defRPr/>
-            </a:pPr>
-            <a:endParaRPr lang="en-US" baseline="0" dirty="0" smtClean="0"/>
-          </a:p>
-          <a:p>
-            <a:pPr marL="0" marR="0" indent="0" algn="l" defTabSz="914400" rtl="0" eaLnBrk="1" fontAlgn="auto" latinLnBrk="0" hangingPunct="1">
-              <a:lnSpc>
-                <a:spcPct val="100000"/>
-              </a:lnSpc>
-              <a:spcBef>
-                <a:spcPts val="0"/>
-              </a:spcBef>
-              <a:spcAft>
-                <a:spcPts val="0"/>
-              </a:spcAft>
-              <a:buClrTx/>
-              <a:buSzTx/>
-              <a:buFontTx/>
-              <a:buNone/>
-              <a:tabLst/>
-              <a:defRPr/>
-            </a:pPr>
-            <a:r>
-              <a:rPr lang="en-US" baseline="0" dirty="0" smtClean="0"/>
-              <a:t>A deck of cards is a list that contains objects of the type card.</a:t>
-            </a:r>
-          </a:p>
-        </p:txBody>
-      </p:sp>
-      <p:sp>
-        <p:nvSpPr>
-          <p:cNvPr id="4" name="Pladsholder til diasnummer 3"/>
-          <p:cNvSpPr>
-            <a:spLocks noGrp="1"/>
-          </p:cNvSpPr>
-          <p:nvPr>
-            <p:ph type="sldNum" sz="quarter" idx="10"/>
-          </p:nvPr>
-        </p:nvSpPr>
-        <p:spPr/>
-        <p:txBody>
-          <a:bodyPr/>
-          <a:lstStyle/>
-          <a:p>
-            <a:fld id="{6C3390C7-C92A-440B-B67D-36FF6D2DBAFD}" type="slidenum">
-              <a:rPr lang="en-US" smtClean="0"/>
-              <a:pPr/>
-              <a:t>10</a:t>
             </a:fld>
             <a:endParaRPr lang="en-US"/>
           </a:p>
@@ -5281,10 +3700,14 @@
           <a:lstStyle/>
           <a:p>
             <a:r>
-              <a:rPr lang="en-US" b="1" dirty="0" smtClean="0"/>
-              <a:t>1 Analysis</a:t>
-            </a:r>
-            <a:endParaRPr lang="da-DK" dirty="0"/>
+              <a:rPr lang="en-US" b="1" smtClean="0"/>
+              <a:t>1 </a:t>
+            </a:r>
+            <a:r>
+              <a:rPr lang="en-US" b="1" smtClean="0"/>
+              <a:t>Analysis</a:t>
+            </a:r>
+            <a:endParaRPr lang="en-US"/>
           </a:p>
         </p:txBody>
       </p:sp>
@@ -5303,155 +3726,10 @@
           <a:bodyPr/>
           <a:lstStyle/>
           <a:p>
-            <a:endParaRPr lang="da-DK" dirty="0"/>
-          </a:p>
-        </p:txBody>
-      </p:sp>
-    </p:spTree>
-  </p:cSld>
-  <p:clrMapOvr>
-    <a:masterClrMapping/>
-  </p:clrMapOvr>
-</p:sld>
-</file>
-
-<file path=ppt/slides/slide10.xml><?xml version="1.0" encoding="utf-8"?>
-<p:sld xmlns:a="http://schemas.openxmlformats.org/drawingml/2006/main" xmlns:r="http://schemas.openxmlformats.org/officeDocument/2006/relationships" xmlns:p="http://schemas.openxmlformats.org/presentationml/2006/main">
-  <p:cSld>
-    <p:spTree>
-      <p:nvGrpSpPr>
-        <p:cNvPr id="1" name=""/>
-        <p:cNvGrpSpPr/>
-        <p:nvPr/>
-      </p:nvGrpSpPr>
-      <p:grpSpPr>
-        <a:xfrm>
-          <a:off x="0" y="0"/>
-          <a:ext cx="0" cy="0"/>
-          <a:chOff x="0" y="0"/>
-          <a:chExt cx="0" cy="0"/>
-        </a:xfrm>
-      </p:grpSpPr>
-      <p:sp>
-        <p:nvSpPr>
-          <p:cNvPr id="2" name="Title 1"/>
-          <p:cNvSpPr>
-            <a:spLocks noGrp="1"/>
-          </p:cNvSpPr>
-          <p:nvPr>
-            <p:ph type="title"/>
-          </p:nvPr>
-        </p:nvSpPr>
-        <p:spPr/>
-        <p:txBody>
-          <a:bodyPr/>
-          <a:lstStyle/>
-          <a:p>
-            <a:r>
-              <a:rPr lang="en-US" dirty="0" smtClean="0"/>
-              <a:t>Use</a:t>
-            </a:r>
-            <a:r>
-              <a:rPr lang="da-DK" dirty="0" smtClean="0"/>
-              <a:t> i</a:t>
-            </a:r>
-            <a:r>
-              <a:rPr lang="en-US" dirty="0" smtClean="0"/>
-              <a:t>n our program</a:t>
-            </a:r>
-            <a:endParaRPr lang="en-US" dirty="0"/>
-          </a:p>
-        </p:txBody>
-      </p:sp>
-      <p:sp>
-        <p:nvSpPr>
-          <p:cNvPr id="4" name="Content Placeholder 2"/>
-          <p:cNvSpPr>
-            <a:spLocks noGrp="1"/>
-          </p:cNvSpPr>
-          <p:nvPr>
-            <p:ph idx="1"/>
-          </p:nvPr>
-        </p:nvSpPr>
-        <p:spPr/>
-        <p:txBody>
-          <a:bodyPr/>
-          <a:lstStyle/>
-          <a:p>
-            <a:r>
-              <a:rPr lang="en-US" dirty="0" smtClean="0"/>
-              <a:t>List and </a:t>
-            </a:r>
-            <a:r>
-              <a:rPr lang="en-US" dirty="0" err="1" smtClean="0"/>
-              <a:t>foreach</a:t>
-            </a:r>
-            <a:r>
-              <a:rPr lang="en-US" dirty="0" smtClean="0"/>
-              <a:t> in our application</a:t>
-            </a:r>
-            <a:endParaRPr lang="en-US" dirty="0"/>
-          </a:p>
-        </p:txBody>
-      </p:sp>
-      <p:pic>
-        <p:nvPicPr>
-          <p:cNvPr id="5" name="Picture 4"/>
-          <p:cNvPicPr>
-            <a:picLocks noChangeAspect="1" noChangeArrowheads="1"/>
-          </p:cNvPicPr>
-          <p:nvPr/>
-        </p:nvPicPr>
-        <p:blipFill>
-          <a:blip r:embed="rId3" cstate="print"/>
-          <a:srcRect/>
-          <a:stretch>
-            <a:fillRect/>
-          </a:stretch>
-        </p:blipFill>
-        <p:spPr bwMode="auto">
-          <a:xfrm>
-            <a:off x="500034" y="2500306"/>
-            <a:ext cx="6219825" cy="2981325"/>
-          </a:xfrm>
-          <a:prstGeom prst="rect">
-            <a:avLst/>
-          </a:prstGeom>
-          <a:noFill/>
-          <a:ln w="9525">
-            <a:noFill/>
-            <a:miter lim="800000"/>
-            <a:headEnd/>
-            <a:tailEnd/>
-          </a:ln>
-        </p:spPr>
-      </p:pic>
-      <p:pic>
-        <p:nvPicPr>
-          <p:cNvPr id="6" name="Picture 2" descr="C:\Users\Martin\Desktop\Personal\Civil 3 Semester\projectwork\OOPExam\classDiagram.png"/>
-          <p:cNvPicPr>
-            <a:picLocks noChangeAspect="1" noChangeArrowheads="1"/>
-          </p:cNvPicPr>
-          <p:nvPr/>
-        </p:nvPicPr>
-        <p:blipFill>
-          <a:blip r:embed="rId4" cstate="print"/>
-          <a:srcRect/>
-          <a:stretch>
-            <a:fillRect/>
-          </a:stretch>
-        </p:blipFill>
-        <p:spPr bwMode="auto">
-          <a:xfrm>
-            <a:off x="5072066" y="2071678"/>
-            <a:ext cx="4071934" cy="2571768"/>
-          </a:xfrm>
-          <a:prstGeom prst="rect">
-            <a:avLst/>
-          </a:prstGeom>
-          <a:noFill/>
-        </p:spPr>
-      </p:pic>
+            <a:endParaRPr lang="en-US"/>
+          </a:p>
+        </p:txBody>
+      </p:sp>
     </p:spTree>
   </p:cSld>
   <p:clrMapOvr>
@@ -5498,10 +3776,10 @@
           <a:lstStyle/>
           <a:p>
             <a:r>
-              <a:rPr lang="en-US" dirty="0" smtClean="0"/>
-              <a:t>Class</a:t>
-            </a:r>
-            <a:endParaRPr lang="en-US" dirty="0"/>
+              <a:rPr lang="en-US" smtClean="0"/>
+              <a:t>Analysis</a:t>
+            </a:r>
+            <a:endParaRPr lang="en-US"/>
           </a:p>
         </p:txBody>
       </p:sp>
@@ -5521,1546 +3799,21 @@
           <a:lstStyle/>
           <a:p>
             <a:r>
-              <a:rPr lang="da-DK" dirty="0" err="1" smtClean="0"/>
+              <a:rPr lang="en-US" smtClean="0"/>
               <a:t>What</a:t>
             </a:r>
             <a:r>
-              <a:rPr lang="da-DK" dirty="0" smtClean="0"/>
-              <a:t> is a </a:t>
-            </a:r>
-            <a:r>
-              <a:rPr lang="da-DK" dirty="0" err="1" smtClean="0"/>
-              <a:t>class</a:t>
-            </a:r>
-            <a:r>
-              <a:rPr lang="da-DK" dirty="0" smtClean="0"/>
-              <a:t>?</a:t>
-            </a:r>
-          </a:p>
-          <a:p>
-            <a:r>
-              <a:rPr lang="da-DK" dirty="0" err="1" smtClean="0"/>
-              <a:t>Syntax</a:t>
-            </a:r>
-            <a:r>
-              <a:rPr lang="da-DK" dirty="0" smtClean="0"/>
-              <a:t>: </a:t>
-            </a:r>
-            <a:r>
-              <a:rPr lang="en-US" sz="1600" dirty="0" smtClean="0"/>
-              <a:t>[</a:t>
-            </a:r>
-            <a:r>
-              <a:rPr lang="en-US" sz="1600" i="1" dirty="0" smtClean="0"/>
-              <a:t>attributes] [access-modifiers] class identifier [:[base-class [,interface(s)]]</a:t>
-            </a:r>
-          </a:p>
-          <a:p>
-            <a:pPr>
-              <a:buNone/>
-            </a:pPr>
-            <a:r>
-              <a:rPr lang="da-DK" sz="1600" dirty="0" smtClean="0"/>
-              <a:t>	{</a:t>
-            </a:r>
-            <a:r>
-              <a:rPr lang="da-DK" sz="1600" i="1" dirty="0" err="1" smtClean="0"/>
-              <a:t>class-body</a:t>
-            </a:r>
-            <a:r>
-              <a:rPr lang="da-DK" sz="1600" i="1" dirty="0" smtClean="0"/>
-              <a:t>}</a:t>
-            </a:r>
-            <a:endParaRPr lang="da-DK" sz="1600" dirty="0" smtClean="0"/>
-          </a:p>
-          <a:p>
-            <a:r>
-              <a:rPr lang="da-DK" dirty="0" err="1" smtClean="0"/>
-              <a:t>Creating</a:t>
-            </a:r>
-            <a:r>
-              <a:rPr lang="da-DK" dirty="0" smtClean="0"/>
-              <a:t> </a:t>
-            </a:r>
-            <a:r>
-              <a:rPr lang="da-DK" dirty="0" err="1" smtClean="0"/>
-              <a:t>Objects</a:t>
-            </a:r>
-            <a:endParaRPr lang="da-DK" dirty="0" smtClean="0"/>
-          </a:p>
-          <a:p>
-            <a:r>
-              <a:rPr lang="da-DK" dirty="0" err="1" smtClean="0"/>
-              <a:t>Objects</a:t>
-            </a:r>
-            <a:r>
-              <a:rPr lang="da-DK" dirty="0" smtClean="0"/>
-              <a:t> </a:t>
-            </a:r>
-            <a:r>
-              <a:rPr lang="da-DK" dirty="0" err="1" smtClean="0"/>
-              <a:t>are</a:t>
-            </a:r>
-            <a:r>
-              <a:rPr lang="da-DK" dirty="0" smtClean="0"/>
-              <a:t> </a:t>
-            </a:r>
-            <a:r>
-              <a:rPr lang="da-DK" dirty="0" err="1" smtClean="0"/>
-              <a:t>defined</a:t>
-            </a:r>
-            <a:r>
-              <a:rPr lang="da-DK" dirty="0" smtClean="0"/>
-              <a:t> by a </a:t>
-            </a:r>
-            <a:r>
-              <a:rPr lang="da-DK" dirty="0" err="1" smtClean="0"/>
-              <a:t>class</a:t>
-            </a:r>
-            <a:endParaRPr lang="da-DK" dirty="0"/>
-          </a:p>
-        </p:txBody>
-      </p:sp>
-    </p:spTree>
-  </p:cSld>
-  <p:clrMapOvr>
-    <a:masterClrMapping/>
-  </p:clrMapOvr>
-</p:sld>
-</file>
-
-<file path=ppt/slides/slide3.xml><?xml version="1.0" encoding="utf-8"?>
-<p:sld xmlns:a="http://schemas.openxmlformats.org/drawingml/2006/main" xmlns:r="http://schemas.openxmlformats.org/officeDocument/2006/relationships" xmlns:p="http://schemas.openxmlformats.org/presentationml/2006/main">
-  <p:cSld>
-    <p:spTree>
-      <p:nvGrpSpPr>
-        <p:cNvPr id="1" name=""/>
-        <p:cNvGrpSpPr/>
-        <p:nvPr/>
-      </p:nvGrpSpPr>
-      <p:grpSpPr>
-        <a:xfrm>
-          <a:off x="0" y="0"/>
-          <a:ext cx="0" cy="0"/>
-          <a:chOff x="0" y="0"/>
-          <a:chExt cx="0" cy="0"/>
-        </a:xfrm>
-      </p:grpSpPr>
-      <p:sp>
-        <p:nvSpPr>
-          <p:cNvPr id="2" name="Title 1"/>
-          <p:cNvSpPr>
-            <a:spLocks noGrp="1"/>
-          </p:cNvSpPr>
-          <p:nvPr>
-            <p:ph type="title"/>
-          </p:nvPr>
-        </p:nvSpPr>
-        <p:spPr/>
-        <p:txBody>
-          <a:bodyPr/>
-          <a:lstStyle/>
-          <a:p>
-            <a:r>
-              <a:rPr lang="en-US" dirty="0" smtClean="0"/>
-              <a:t>Class Example and Visibility</a:t>
-            </a:r>
-            <a:endParaRPr lang="en-US" dirty="0"/>
-          </a:p>
-        </p:txBody>
-      </p:sp>
-      <p:sp>
-        <p:nvSpPr>
-          <p:cNvPr id="3" name="Content Placeholder 2"/>
-          <p:cNvSpPr>
-            <a:spLocks noGrp="1"/>
-          </p:cNvSpPr>
-          <p:nvPr>
-            <p:ph idx="1"/>
-          </p:nvPr>
-        </p:nvSpPr>
-        <p:spPr/>
-        <p:txBody>
-          <a:bodyPr/>
-          <a:lstStyle/>
-          <a:p>
-            <a:endParaRPr lang="da-DK" dirty="0"/>
-          </a:p>
-        </p:txBody>
-      </p:sp>
-      <p:sp>
-        <p:nvSpPr>
-          <p:cNvPr id="4" name="TextBox 3"/>
-          <p:cNvSpPr txBox="1"/>
-          <p:nvPr/>
-        </p:nvSpPr>
-        <p:spPr>
-          <a:xfrm>
-            <a:off x="1500166" y="2500306"/>
-            <a:ext cx="2571768" cy="369332"/>
-          </a:xfrm>
-          <a:prstGeom prst="rect">
-            <a:avLst/>
-          </a:prstGeom>
-          <a:noFill/>
-        </p:spPr>
-        <p:txBody>
-          <a:bodyPr wrap="square" rtlCol="0">
-            <a:spAutoFit/>
-          </a:bodyPr>
-          <a:lstStyle/>
-          <a:p>
-            <a:endParaRPr lang="en-US" dirty="0"/>
-          </a:p>
-        </p:txBody>
-      </p:sp>
-      <p:pic>
-        <p:nvPicPr>
-          <p:cNvPr id="1028" name="Picture 4"/>
-          <p:cNvPicPr>
-            <a:picLocks noChangeAspect="1" noChangeArrowheads="1"/>
-          </p:cNvPicPr>
-          <p:nvPr/>
-        </p:nvPicPr>
-        <p:blipFill>
-          <a:blip r:embed="rId2" cstate="print"/>
-          <a:srcRect/>
-          <a:stretch>
-            <a:fillRect/>
-          </a:stretch>
-        </p:blipFill>
-        <p:spPr bwMode="auto">
-          <a:xfrm>
-            <a:off x="571472" y="2143116"/>
-            <a:ext cx="5648325" cy="4505325"/>
-          </a:xfrm>
-          <a:prstGeom prst="rect">
-            <a:avLst/>
-          </a:prstGeom>
-          <a:noFill/>
-          <a:ln w="9525">
-            <a:noFill/>
-            <a:miter lim="800000"/>
-            <a:headEnd/>
-            <a:tailEnd/>
-          </a:ln>
-          <a:effectLst/>
-        </p:spPr>
-      </p:pic>
-    </p:spTree>
-  </p:cSld>
-  <p:clrMapOvr>
-    <a:masterClrMapping/>
-  </p:clrMapOvr>
-</p:sld>
-</file>
-
-<file path=ppt/slides/slide4.xml><?xml version="1.0" encoding="utf-8"?>
-<p:sld xmlns:a="http://schemas.openxmlformats.org/drawingml/2006/main" xmlns:r="http://schemas.openxmlformats.org/officeDocument/2006/relationships" xmlns:p="http://schemas.openxmlformats.org/presentationml/2006/main">
-  <p:cSld>
-    <p:spTree>
-      <p:nvGrpSpPr>
-        <p:cNvPr id="1" name=""/>
-        <p:cNvGrpSpPr/>
-        <p:nvPr/>
-      </p:nvGrpSpPr>
-      <p:grpSpPr>
-        <a:xfrm>
-          <a:off x="0" y="0"/>
-          <a:ext cx="0" cy="0"/>
-          <a:chOff x="0" y="0"/>
-          <a:chExt cx="0" cy="0"/>
-        </a:xfrm>
-      </p:grpSpPr>
-      <p:sp>
-        <p:nvSpPr>
-          <p:cNvPr id="2" name="Title 1"/>
-          <p:cNvSpPr>
-            <a:spLocks noGrp="1"/>
-          </p:cNvSpPr>
-          <p:nvPr>
-            <p:ph type="title"/>
-          </p:nvPr>
-        </p:nvSpPr>
-        <p:spPr/>
-        <p:txBody>
-          <a:bodyPr/>
-          <a:lstStyle/>
-          <a:p>
-            <a:r>
-              <a:rPr lang="en-US" dirty="0" smtClean="0"/>
-              <a:t>Interfaces</a:t>
-            </a:r>
-            <a:endParaRPr lang="en-US" dirty="0"/>
-          </a:p>
-        </p:txBody>
-      </p:sp>
-      <p:sp>
-        <p:nvSpPr>
-          <p:cNvPr id="3" name="Content Placeholder 2"/>
-          <p:cNvSpPr>
-            <a:spLocks noGrp="1"/>
-          </p:cNvSpPr>
-          <p:nvPr>
-            <p:ph idx="1"/>
-          </p:nvPr>
-        </p:nvSpPr>
-        <p:spPr/>
-        <p:txBody>
-          <a:bodyPr/>
-          <a:lstStyle/>
-          <a:p>
-            <a:r>
-              <a:rPr lang="en-US" dirty="0" smtClean="0"/>
-              <a:t>“An </a:t>
-            </a:r>
-            <a:r>
-              <a:rPr lang="en-US" i="1" dirty="0" smtClean="0"/>
-              <a:t>interface is a contract that guarantees to a client how a class will behave”</a:t>
-            </a:r>
-          </a:p>
-          <a:p>
-            <a:r>
-              <a:rPr lang="en-US" dirty="0" smtClean="0"/>
-              <a:t>A Class can implement more the one interface</a:t>
-            </a:r>
-          </a:p>
-          <a:p>
-            <a:r>
-              <a:rPr lang="en-US" dirty="0" smtClean="0"/>
-              <a:t>Interfaces can be extended and combined</a:t>
-            </a:r>
-          </a:p>
-          <a:p>
-            <a:r>
-              <a:rPr lang="en-US" dirty="0" smtClean="0"/>
-              <a:t>Syntax: </a:t>
-            </a:r>
-            <a:r>
-              <a:rPr lang="da-DK" sz="1800" dirty="0" smtClean="0"/>
-              <a:t>[</a:t>
-            </a:r>
-            <a:r>
-              <a:rPr lang="da-DK" sz="1800" i="1" dirty="0" err="1" smtClean="0"/>
-              <a:t>attributes</a:t>
-            </a:r>
-            <a:r>
-              <a:rPr lang="da-DK" sz="1800" i="1" dirty="0" smtClean="0"/>
-              <a:t>] [</a:t>
-            </a:r>
-            <a:r>
-              <a:rPr lang="da-DK" sz="1800" i="1" dirty="0" err="1" smtClean="0"/>
-              <a:t>access-modifier</a:t>
-            </a:r>
-            <a:r>
-              <a:rPr lang="da-DK" sz="1800" i="1" dirty="0" smtClean="0"/>
-              <a:t>] interface </a:t>
-            </a:r>
-            <a:r>
-              <a:rPr lang="da-DK" sz="1800" i="1" dirty="0" err="1" smtClean="0"/>
-              <a:t>interface-name</a:t>
-            </a:r>
-            <a:r>
-              <a:rPr lang="da-DK" sz="1800" i="1" dirty="0" smtClean="0"/>
-              <a:t>[:</a:t>
-            </a:r>
-            <a:r>
-              <a:rPr lang="da-DK" sz="1800" i="1" dirty="0" err="1" smtClean="0"/>
-              <a:t>base-list</a:t>
-            </a:r>
-            <a:r>
-              <a:rPr lang="da-DK" sz="1800" i="1" dirty="0" smtClean="0"/>
-              <a:t>]</a:t>
-            </a:r>
-          </a:p>
-          <a:p>
-            <a:pPr>
-              <a:buNone/>
-            </a:pPr>
-            <a:r>
-              <a:rPr lang="da-DK" sz="1800" dirty="0" smtClean="0"/>
-              <a:t>			{</a:t>
-            </a:r>
-            <a:r>
-              <a:rPr lang="da-DK" sz="1800" i="1" dirty="0" err="1" smtClean="0"/>
-              <a:t>interface-body</a:t>
-            </a:r>
-            <a:r>
-              <a:rPr lang="da-DK" sz="1800" i="1" dirty="0" smtClean="0"/>
-              <a:t>}</a:t>
-            </a:r>
-            <a:endParaRPr lang="en-US" sz="1800" dirty="0" smtClean="0"/>
-          </a:p>
-        </p:txBody>
-      </p:sp>
-      <p:pic>
-        <p:nvPicPr>
-          <p:cNvPr id="2050" name="Picture 2"/>
-          <p:cNvPicPr>
-            <a:picLocks noChangeAspect="1" noChangeArrowheads="1"/>
-          </p:cNvPicPr>
-          <p:nvPr/>
-        </p:nvPicPr>
-        <p:blipFill>
-          <a:blip r:embed="rId3" cstate="print"/>
-          <a:srcRect/>
-          <a:stretch>
-            <a:fillRect/>
-          </a:stretch>
-        </p:blipFill>
-        <p:spPr bwMode="auto">
-          <a:xfrm>
-            <a:off x="3000364" y="5286388"/>
-            <a:ext cx="2967818" cy="1104902"/>
-          </a:xfrm>
-          <a:prstGeom prst="rect">
-            <a:avLst/>
-          </a:prstGeom>
-          <a:noFill/>
-          <a:ln w="9525">
-            <a:noFill/>
-            <a:miter lim="800000"/>
-            <a:headEnd/>
-            <a:tailEnd/>
-          </a:ln>
-          <a:effectLst/>
-        </p:spPr>
-      </p:pic>
-    </p:spTree>
-  </p:cSld>
-  <p:clrMapOvr>
-    <a:masterClrMapping/>
-  </p:clrMapOvr>
-</p:sld>
-</file>
-
-<file path=ppt/slides/slide5.xml><?xml version="1.0" encoding="utf-8"?>
-<p:sld xmlns:a="http://schemas.openxmlformats.org/drawingml/2006/main" xmlns:r="http://schemas.openxmlformats.org/officeDocument/2006/relationships" xmlns:p="http://schemas.openxmlformats.org/presentationml/2006/main">
-  <p:cSld>
-    <p:spTree>
-      <p:nvGrpSpPr>
-        <p:cNvPr id="1" name=""/>
-        <p:cNvGrpSpPr/>
-        <p:nvPr/>
-      </p:nvGrpSpPr>
-      <p:grpSpPr>
-        <a:xfrm>
-          <a:off x="0" y="0"/>
-          <a:ext cx="0" cy="0"/>
-          <a:chOff x="0" y="0"/>
-          <a:chExt cx="0" cy="0"/>
-        </a:xfrm>
-      </p:grpSpPr>
-      <p:sp>
-        <p:nvSpPr>
-          <p:cNvPr id="2" name="Title 1"/>
-          <p:cNvSpPr>
-            <a:spLocks noGrp="1"/>
-          </p:cNvSpPr>
-          <p:nvPr>
-            <p:ph type="title"/>
-          </p:nvPr>
-        </p:nvSpPr>
-        <p:spPr/>
-        <p:txBody>
-          <a:bodyPr/>
-          <a:lstStyle/>
-          <a:p>
-            <a:r>
-              <a:rPr lang="en-US" dirty="0" smtClean="0"/>
-              <a:t>Abstract Class</a:t>
-            </a:r>
-            <a:endParaRPr lang="en-US" dirty="0"/>
-          </a:p>
-        </p:txBody>
-      </p:sp>
-      <p:sp>
-        <p:nvSpPr>
-          <p:cNvPr id="3" name="Content Placeholder 2"/>
-          <p:cNvSpPr>
-            <a:spLocks noGrp="1"/>
-          </p:cNvSpPr>
-          <p:nvPr>
-            <p:ph idx="1"/>
-          </p:nvPr>
-        </p:nvSpPr>
-        <p:spPr/>
-        <p:txBody>
-          <a:bodyPr>
-            <a:normAutofit fontScale="85000" lnSpcReduction="20000"/>
-          </a:bodyPr>
-          <a:lstStyle/>
-          <a:p>
-            <a:r>
-              <a:rPr lang="da-DK" dirty="0" err="1" smtClean="0"/>
-              <a:t>Generic</a:t>
-            </a:r>
-            <a:r>
-              <a:rPr lang="da-DK" dirty="0" smtClean="0"/>
-              <a:t> </a:t>
-            </a:r>
-            <a:r>
-              <a:rPr lang="da-DK" dirty="0" err="1" smtClean="0"/>
-              <a:t>concept</a:t>
-            </a:r>
-            <a:r>
-              <a:rPr lang="da-DK" dirty="0" smtClean="0"/>
-              <a:t> in </a:t>
-            </a:r>
-            <a:r>
-              <a:rPr lang="da-DK" dirty="0" err="1" smtClean="0"/>
-              <a:t>class</a:t>
-            </a:r>
-            <a:r>
-              <a:rPr lang="da-DK" dirty="0" smtClean="0"/>
-              <a:t> </a:t>
-            </a:r>
-            <a:r>
-              <a:rPr lang="da-DK" dirty="0" err="1" smtClean="0"/>
-              <a:t>hierarchy</a:t>
-            </a:r>
-            <a:endParaRPr lang="da-DK" dirty="0" smtClean="0"/>
-          </a:p>
-          <a:p>
-            <a:r>
-              <a:rPr lang="da-DK" dirty="0" err="1" smtClean="0"/>
-              <a:t>Cannot</a:t>
-            </a:r>
-            <a:r>
-              <a:rPr lang="da-DK" dirty="0" smtClean="0"/>
-              <a:t> </a:t>
-            </a:r>
-            <a:r>
-              <a:rPr lang="da-DK" dirty="0" err="1" smtClean="0"/>
-              <a:t>be</a:t>
-            </a:r>
-            <a:r>
-              <a:rPr lang="da-DK" dirty="0" smtClean="0"/>
-              <a:t> </a:t>
-            </a:r>
-            <a:r>
-              <a:rPr lang="da-DK" dirty="0" err="1" smtClean="0"/>
-              <a:t>instantiated</a:t>
-            </a:r>
-            <a:endParaRPr lang="da-DK" dirty="0" smtClean="0"/>
-          </a:p>
-          <a:p>
-            <a:r>
-              <a:rPr lang="da-DK" dirty="0" err="1" smtClean="0"/>
-              <a:t>Usually</a:t>
-            </a:r>
-            <a:r>
-              <a:rPr lang="da-DK" dirty="0" smtClean="0"/>
-              <a:t> </a:t>
-            </a:r>
-            <a:r>
-              <a:rPr lang="da-DK" dirty="0" err="1" smtClean="0"/>
-              <a:t>contains</a:t>
-            </a:r>
-            <a:r>
-              <a:rPr lang="da-DK" dirty="0" smtClean="0"/>
-              <a:t> som </a:t>
-            </a:r>
-            <a:r>
-              <a:rPr lang="da-DK" dirty="0" err="1" smtClean="0"/>
-              <a:t>abstract</a:t>
-            </a:r>
-            <a:r>
-              <a:rPr lang="da-DK" dirty="0" smtClean="0"/>
-              <a:t> </a:t>
-            </a:r>
-            <a:r>
-              <a:rPr lang="da-DK" dirty="0" err="1" smtClean="0"/>
-              <a:t>methods</a:t>
-            </a:r>
-            <a:endParaRPr lang="da-DK" dirty="0" smtClean="0"/>
-          </a:p>
-          <a:p>
-            <a:r>
-              <a:rPr lang="da-DK" dirty="0" err="1" smtClean="0"/>
-              <a:t>Class</a:t>
-            </a:r>
-            <a:r>
-              <a:rPr lang="da-DK" dirty="0" smtClean="0"/>
+              <a:rPr lang="en-US" smtClean="0"/>
               <a:t> is </a:t>
             </a:r>
             <a:r>
-              <a:rPr lang="da-DK" dirty="0" err="1" smtClean="0"/>
-              <a:t>declared</a:t>
-            </a:r>
-            <a:r>
-              <a:rPr lang="da-DK" dirty="0" smtClean="0"/>
-              <a:t> by </a:t>
-            </a:r>
-            <a:r>
-              <a:rPr lang="da-DK" dirty="0" err="1" smtClean="0"/>
-              <a:t>including</a:t>
-            </a:r>
-            <a:r>
-              <a:rPr lang="da-DK" dirty="0" smtClean="0"/>
-              <a:t> the </a:t>
-            </a:r>
-            <a:r>
-              <a:rPr lang="da-DK" b="1" dirty="0" err="1" smtClean="0"/>
-              <a:t>abstract</a:t>
-            </a:r>
-            <a:r>
-              <a:rPr lang="da-DK" b="1" dirty="0" smtClean="0"/>
-              <a:t> </a:t>
-            </a:r>
-            <a:r>
-              <a:rPr lang="da-DK" dirty="0" err="1" smtClean="0"/>
-              <a:t>modifier</a:t>
-            </a:r>
-            <a:r>
-              <a:rPr lang="da-DK" dirty="0" smtClean="0"/>
-              <a:t> in the </a:t>
-            </a:r>
-            <a:r>
-              <a:rPr lang="da-DK" dirty="0" err="1" smtClean="0"/>
-              <a:t>class</a:t>
-            </a:r>
-            <a:r>
-              <a:rPr lang="da-DK" dirty="0" smtClean="0"/>
-              <a:t> header</a:t>
-            </a:r>
-          </a:p>
-          <a:p>
-            <a:r>
-              <a:rPr lang="da-DK" dirty="0" err="1" smtClean="0"/>
-              <a:t>Used</a:t>
-            </a:r>
-            <a:r>
-              <a:rPr lang="da-DK" dirty="0" smtClean="0"/>
-              <a:t> to </a:t>
-            </a:r>
-            <a:r>
-              <a:rPr lang="da-DK" dirty="0" err="1" smtClean="0"/>
-              <a:t>declare</a:t>
-            </a:r>
-            <a:r>
-              <a:rPr lang="da-DK" dirty="0" smtClean="0"/>
-              <a:t> variables </a:t>
-            </a:r>
-            <a:r>
-              <a:rPr lang="da-DK" dirty="0" err="1" smtClean="0"/>
-              <a:t>that</a:t>
-            </a:r>
-            <a:r>
-              <a:rPr lang="da-DK" dirty="0" smtClean="0"/>
-              <a:t> is </a:t>
-            </a:r>
-            <a:r>
-              <a:rPr lang="da-DK" dirty="0" err="1" smtClean="0"/>
-              <a:t>generic</a:t>
-            </a:r>
-            <a:r>
-              <a:rPr lang="da-DK" dirty="0" smtClean="0"/>
-              <a:t> in all the </a:t>
-            </a:r>
-            <a:r>
-              <a:rPr lang="da-DK" dirty="0" err="1" smtClean="0"/>
-              <a:t>children</a:t>
-            </a:r>
-            <a:r>
-              <a:rPr lang="da-DK" dirty="0" smtClean="0"/>
-              <a:t> of the </a:t>
-            </a:r>
-            <a:r>
-              <a:rPr lang="da-DK" dirty="0" err="1" smtClean="0"/>
-              <a:t>class</a:t>
-            </a:r>
-            <a:endParaRPr lang="da-DK" dirty="0" smtClean="0"/>
-          </a:p>
-          <a:p>
-            <a:r>
-              <a:rPr lang="da-DK" dirty="0" err="1" smtClean="0"/>
-              <a:t>Abstract</a:t>
-            </a:r>
-            <a:r>
-              <a:rPr lang="da-DK" dirty="0" smtClean="0"/>
-              <a:t> </a:t>
-            </a:r>
-            <a:r>
-              <a:rPr lang="da-DK" dirty="0" err="1" smtClean="0"/>
-              <a:t>methods</a:t>
-            </a:r>
-            <a:r>
-              <a:rPr lang="da-DK" dirty="0" smtClean="0"/>
-              <a:t> </a:t>
-            </a:r>
-            <a:r>
-              <a:rPr lang="da-DK" dirty="0" err="1" smtClean="0"/>
-              <a:t>used</a:t>
-            </a:r>
-            <a:r>
-              <a:rPr lang="da-DK" dirty="0" smtClean="0"/>
-              <a:t> in the </a:t>
-            </a:r>
-            <a:r>
-              <a:rPr lang="da-DK" dirty="0" err="1" smtClean="0"/>
-              <a:t>children</a:t>
-            </a:r>
-            <a:r>
-              <a:rPr lang="da-DK" dirty="0" smtClean="0"/>
-              <a:t> must </a:t>
-            </a:r>
-            <a:r>
-              <a:rPr lang="da-DK" dirty="0" err="1" smtClean="0"/>
-              <a:t>be</a:t>
-            </a:r>
-            <a:r>
-              <a:rPr lang="da-DK" dirty="0" smtClean="0"/>
-              <a:t> </a:t>
-            </a:r>
-            <a:r>
-              <a:rPr lang="da-DK" dirty="0" err="1" smtClean="0"/>
-              <a:t>defined</a:t>
-            </a:r>
-            <a:r>
-              <a:rPr lang="da-DK" dirty="0" smtClean="0"/>
-              <a:t> in by </a:t>
-            </a:r>
-            <a:r>
-              <a:rPr lang="da-DK" dirty="0" err="1" smtClean="0"/>
-              <a:t>each</a:t>
-            </a:r>
-            <a:r>
-              <a:rPr lang="da-DK" dirty="0" smtClean="0"/>
-              <a:t> </a:t>
-            </a:r>
-            <a:r>
-              <a:rPr lang="da-DK" dirty="0" err="1" smtClean="0"/>
-              <a:t>child</a:t>
-            </a:r>
-            <a:endParaRPr lang="da-DK" dirty="0" smtClean="0"/>
-          </a:p>
-          <a:p>
-            <a:r>
-              <a:rPr lang="da-DK" dirty="0" err="1" smtClean="0"/>
-              <a:t>Classes</a:t>
-            </a:r>
-            <a:r>
-              <a:rPr lang="da-DK" dirty="0" smtClean="0"/>
-              <a:t> </a:t>
-            </a:r>
-            <a:r>
-              <a:rPr lang="da-DK" dirty="0" err="1" smtClean="0"/>
-              <a:t>that</a:t>
-            </a:r>
-            <a:r>
-              <a:rPr lang="da-DK" dirty="0" smtClean="0"/>
-              <a:t> </a:t>
-            </a:r>
-            <a:r>
-              <a:rPr lang="da-DK" dirty="0" err="1" smtClean="0"/>
-              <a:t>are</a:t>
-            </a:r>
-            <a:r>
-              <a:rPr lang="da-DK" dirty="0" smtClean="0"/>
-              <a:t> </a:t>
-            </a:r>
-            <a:r>
-              <a:rPr lang="da-DK" dirty="0" err="1" smtClean="0"/>
-              <a:t>derived</a:t>
-            </a:r>
-            <a:r>
-              <a:rPr lang="da-DK" dirty="0" smtClean="0"/>
-              <a:t> from an </a:t>
-            </a:r>
-            <a:r>
-              <a:rPr lang="da-DK" dirty="0" err="1" smtClean="0"/>
-              <a:t>abstract</a:t>
-            </a:r>
-            <a:r>
-              <a:rPr lang="da-DK" dirty="0" smtClean="0"/>
-              <a:t> </a:t>
-            </a:r>
-            <a:r>
-              <a:rPr lang="da-DK" dirty="0" err="1" smtClean="0"/>
-              <a:t>parent</a:t>
-            </a:r>
-            <a:r>
-              <a:rPr lang="da-DK" dirty="0" smtClean="0"/>
-              <a:t> must </a:t>
-            </a:r>
-            <a:r>
-              <a:rPr lang="da-DK" dirty="0" err="1" smtClean="0"/>
-              <a:t>override</a:t>
-            </a:r>
-            <a:r>
-              <a:rPr lang="da-DK" dirty="0" smtClean="0"/>
-              <a:t> all of the </a:t>
-            </a:r>
-            <a:r>
-              <a:rPr lang="da-DK" dirty="0" err="1" smtClean="0"/>
-              <a:t>parents</a:t>
-            </a:r>
-            <a:r>
-              <a:rPr lang="da-DK" dirty="0" smtClean="0"/>
-              <a:t> </a:t>
-            </a:r>
-            <a:r>
-              <a:rPr lang="da-DK" dirty="0" err="1" smtClean="0"/>
-              <a:t>methods</a:t>
-            </a:r>
-            <a:r>
-              <a:rPr lang="da-DK" dirty="0" smtClean="0"/>
-              <a:t>. </a:t>
-            </a:r>
-          </a:p>
-          <a:p>
-            <a:endParaRPr lang="da-DK" dirty="0" smtClean="0"/>
-          </a:p>
-          <a:p>
-            <a:endParaRPr lang="da-DK" dirty="0" smtClean="0"/>
-          </a:p>
-          <a:p>
-            <a:endParaRPr lang="da-DK" dirty="0"/>
-          </a:p>
-        </p:txBody>
-      </p:sp>
-    </p:spTree>
-  </p:cSld>
-  <p:clrMapOvr>
-    <a:masterClrMapping/>
-  </p:clrMapOvr>
-</p:sld>
-</file>
-
-<file path=ppt/slides/slide6.xml><?xml version="1.0" encoding="utf-8"?>
-<p:sld xmlns:a="http://schemas.openxmlformats.org/drawingml/2006/main" xmlns:r="http://schemas.openxmlformats.org/officeDocument/2006/relationships" xmlns:p="http://schemas.openxmlformats.org/presentationml/2006/main">
-  <p:cSld>
-    <p:spTree>
-      <p:nvGrpSpPr>
-        <p:cNvPr id="1" name=""/>
-        <p:cNvGrpSpPr/>
-        <p:nvPr/>
-      </p:nvGrpSpPr>
-      <p:grpSpPr>
-        <a:xfrm>
-          <a:off x="0" y="0"/>
-          <a:ext cx="0" cy="0"/>
-          <a:chOff x="0" y="0"/>
-          <a:chExt cx="0" cy="0"/>
-        </a:xfrm>
-      </p:grpSpPr>
-      <p:sp>
-        <p:nvSpPr>
-          <p:cNvPr id="2" name="Titel 1"/>
-          <p:cNvSpPr>
-            <a:spLocks noGrp="1"/>
-          </p:cNvSpPr>
-          <p:nvPr>
-            <p:ph type="title"/>
-          </p:nvPr>
-        </p:nvSpPr>
-        <p:spPr/>
-        <p:txBody>
-          <a:bodyPr/>
-          <a:lstStyle/>
-          <a:p>
-            <a:r>
-              <a:rPr lang="da-DK" dirty="0" err="1" smtClean="0"/>
-              <a:t>Abstract</a:t>
-            </a:r>
-            <a:r>
-              <a:rPr lang="da-DK" dirty="0" smtClean="0"/>
-              <a:t> </a:t>
-            </a:r>
-            <a:r>
-              <a:rPr lang="da-DK" dirty="0" err="1" smtClean="0"/>
-              <a:t>class</a:t>
-            </a:r>
-            <a:r>
-              <a:rPr lang="da-DK" dirty="0" smtClean="0"/>
-              <a:t> </a:t>
-            </a:r>
-            <a:r>
-              <a:rPr lang="da-DK" dirty="0" err="1" smtClean="0"/>
-              <a:t>example</a:t>
-            </a:r>
-            <a:endParaRPr lang="da-DK" dirty="0"/>
-          </a:p>
-        </p:txBody>
-      </p:sp>
-      <p:sp>
-        <p:nvSpPr>
-          <p:cNvPr id="3" name="Pladsholder til indhold 2"/>
-          <p:cNvSpPr>
-            <a:spLocks noGrp="1"/>
-          </p:cNvSpPr>
-          <p:nvPr>
-            <p:ph idx="1"/>
-          </p:nvPr>
-        </p:nvSpPr>
-        <p:spPr/>
-        <p:txBody>
-          <a:bodyPr>
-            <a:normAutofit fontScale="70000" lnSpcReduction="20000"/>
-          </a:bodyPr>
-          <a:lstStyle/>
-          <a:p>
-            <a:pPr>
-              <a:buNone/>
-            </a:pPr>
-            <a:r>
-              <a:rPr lang="da-DK" dirty="0" err="1" smtClean="0"/>
-              <a:t>abstract</a:t>
-            </a:r>
-            <a:r>
-              <a:rPr lang="da-DK" dirty="0" smtClean="0"/>
-              <a:t> public </a:t>
-            </a:r>
-            <a:r>
-              <a:rPr lang="da-DK" dirty="0" err="1" smtClean="0"/>
-              <a:t>class</a:t>
-            </a:r>
-            <a:r>
-              <a:rPr lang="da-DK" dirty="0" smtClean="0"/>
-              <a:t> </a:t>
-            </a:r>
-            <a:r>
-              <a:rPr lang="da-DK" dirty="0" err="1" smtClean="0"/>
-              <a:t>Control</a:t>
-            </a:r>
-            <a:endParaRPr lang="da-DK" dirty="0" smtClean="0"/>
-          </a:p>
-          <a:p>
-            <a:pPr>
-              <a:buNone/>
-            </a:pPr>
-            <a:r>
-              <a:rPr lang="da-DK" dirty="0" smtClean="0"/>
-              <a:t>{</a:t>
-            </a:r>
-          </a:p>
-          <a:p>
-            <a:pPr>
-              <a:buNone/>
-            </a:pPr>
-            <a:r>
-              <a:rPr lang="en-US" dirty="0" smtClean="0"/>
-              <a:t>	</a:t>
-            </a:r>
-            <a:r>
-              <a:rPr lang="da-DK" dirty="0" err="1" smtClean="0"/>
-              <a:t>protected</a:t>
-            </a:r>
-            <a:r>
-              <a:rPr lang="da-DK" dirty="0" smtClean="0"/>
-              <a:t> </a:t>
-            </a:r>
-            <a:r>
-              <a:rPr lang="da-DK" dirty="0" err="1" smtClean="0"/>
-              <a:t>int</a:t>
-            </a:r>
-            <a:r>
-              <a:rPr lang="da-DK" dirty="0" smtClean="0"/>
-              <a:t> top;</a:t>
-            </a:r>
-          </a:p>
-          <a:p>
-            <a:pPr>
-              <a:buNone/>
-            </a:pPr>
-            <a:r>
-              <a:rPr lang="da-DK" dirty="0" smtClean="0"/>
-              <a:t>	</a:t>
-            </a:r>
-            <a:r>
-              <a:rPr lang="da-DK" dirty="0" err="1" smtClean="0"/>
-              <a:t>protected</a:t>
-            </a:r>
-            <a:r>
-              <a:rPr lang="da-DK" dirty="0" smtClean="0"/>
-              <a:t> </a:t>
-            </a:r>
-            <a:r>
-              <a:rPr lang="da-DK" dirty="0" err="1" smtClean="0"/>
-              <a:t>int</a:t>
-            </a:r>
-            <a:r>
-              <a:rPr lang="da-DK" dirty="0" smtClean="0"/>
-              <a:t> </a:t>
-            </a:r>
-            <a:r>
-              <a:rPr lang="da-DK" dirty="0" err="1" smtClean="0"/>
-              <a:t>left</a:t>
-            </a:r>
-            <a:r>
-              <a:rPr lang="da-DK" dirty="0" smtClean="0"/>
-              <a:t>;</a:t>
-            </a:r>
-          </a:p>
-          <a:p>
-            <a:pPr lvl="2">
-              <a:buNone/>
-            </a:pPr>
-            <a:r>
-              <a:rPr lang="en-US" sz="2200" dirty="0" smtClean="0"/>
-              <a:t>// constructor takes two integers to</a:t>
-            </a:r>
-          </a:p>
-          <a:p>
-            <a:pPr lvl="2">
-              <a:buNone/>
-            </a:pPr>
-            <a:r>
-              <a:rPr lang="en-US" sz="2200" dirty="0" smtClean="0"/>
-              <a:t>// fix location on the console</a:t>
-            </a:r>
-          </a:p>
-          <a:p>
-            <a:pPr>
-              <a:buNone/>
-            </a:pPr>
-            <a:r>
-              <a:rPr lang="en-US" dirty="0" smtClean="0"/>
-              <a:t>	protected Control(</a:t>
-            </a:r>
-            <a:r>
-              <a:rPr lang="en-US" dirty="0" err="1" smtClean="0"/>
-              <a:t>int</a:t>
-            </a:r>
-            <a:r>
-              <a:rPr lang="en-US" dirty="0" smtClean="0"/>
-              <a:t> top, </a:t>
-            </a:r>
-            <a:r>
-              <a:rPr lang="en-US" dirty="0" err="1" smtClean="0"/>
-              <a:t>int</a:t>
-            </a:r>
-            <a:r>
-              <a:rPr lang="en-US" dirty="0" smtClean="0"/>
-              <a:t> left)</a:t>
-            </a:r>
-          </a:p>
-          <a:p>
-            <a:pPr>
-              <a:buNone/>
-            </a:pPr>
-            <a:r>
-              <a:rPr lang="da-DK" dirty="0" smtClean="0"/>
-              <a:t>	{</a:t>
-            </a:r>
-          </a:p>
-          <a:p>
-            <a:pPr>
-              <a:buNone/>
-            </a:pPr>
-            <a:r>
-              <a:rPr lang="da-DK" dirty="0" smtClean="0"/>
-              <a:t>		</a:t>
-            </a:r>
-            <a:r>
-              <a:rPr lang="da-DK" dirty="0" err="1" smtClean="0"/>
-              <a:t>this.top</a:t>
-            </a:r>
-            <a:r>
-              <a:rPr lang="da-DK" dirty="0" smtClean="0"/>
-              <a:t> = top;</a:t>
-            </a:r>
-          </a:p>
-          <a:p>
-            <a:pPr>
-              <a:buNone/>
-            </a:pPr>
-            <a:r>
-              <a:rPr lang="da-DK" dirty="0" smtClean="0"/>
-              <a:t>		</a:t>
-            </a:r>
-            <a:r>
-              <a:rPr lang="da-DK" dirty="0" err="1" smtClean="0"/>
-              <a:t>this.left</a:t>
-            </a:r>
-            <a:r>
-              <a:rPr lang="da-DK" dirty="0" smtClean="0"/>
-              <a:t> = </a:t>
-            </a:r>
-            <a:r>
-              <a:rPr lang="da-DK" dirty="0" err="1" smtClean="0"/>
-              <a:t>left</a:t>
-            </a:r>
-            <a:r>
-              <a:rPr lang="da-DK" dirty="0" smtClean="0"/>
-              <a:t>;</a:t>
-            </a:r>
-          </a:p>
-          <a:p>
-            <a:pPr>
-              <a:buNone/>
-            </a:pPr>
-            <a:r>
-              <a:rPr lang="da-DK" dirty="0" smtClean="0"/>
-              <a:t>	}</a:t>
-            </a:r>
-          </a:p>
-          <a:p>
-            <a:pPr>
-              <a:buNone/>
-            </a:pPr>
-            <a:r>
-              <a:rPr lang="da-DK" dirty="0" smtClean="0"/>
-              <a:t>		</a:t>
-            </a:r>
-            <a:r>
-              <a:rPr lang="da-DK" dirty="0" err="1" smtClean="0"/>
-              <a:t>abstract</a:t>
-            </a:r>
-            <a:r>
-              <a:rPr lang="da-DK" dirty="0" smtClean="0"/>
-              <a:t> public </a:t>
-            </a:r>
-            <a:r>
-              <a:rPr lang="da-DK" dirty="0" err="1" smtClean="0"/>
-              <a:t>void</a:t>
-            </a:r>
-            <a:r>
-              <a:rPr lang="da-DK" dirty="0" smtClean="0"/>
-              <a:t> </a:t>
-            </a:r>
-            <a:r>
-              <a:rPr lang="da-DK" dirty="0" err="1" smtClean="0"/>
-              <a:t>DrawWindow</a:t>
-            </a:r>
-            <a:r>
-              <a:rPr lang="da-DK" dirty="0" smtClean="0"/>
-              <a:t>( );</a:t>
-            </a:r>
-          </a:p>
-          <a:p>
-            <a:pPr>
-              <a:buNone/>
-            </a:pPr>
-            <a:r>
-              <a:rPr lang="da-DK" dirty="0" smtClean="0"/>
-              <a:t>}</a:t>
-            </a:r>
-            <a:endParaRPr lang="da-DK" dirty="0"/>
-          </a:p>
-        </p:txBody>
-      </p:sp>
-    </p:spTree>
-  </p:cSld>
-  <p:clrMapOvr>
-    <a:masterClrMapping/>
-  </p:clrMapOvr>
-</p:sld>
-</file>
-
-<file path=ppt/slides/slide7.xml><?xml version="1.0" encoding="utf-8"?>
-<p:sld xmlns:a="http://schemas.openxmlformats.org/drawingml/2006/main" xmlns:r="http://schemas.openxmlformats.org/officeDocument/2006/relationships" xmlns:p="http://schemas.openxmlformats.org/presentationml/2006/main">
-  <p:cSld>
-    <p:spTree>
-      <p:nvGrpSpPr>
-        <p:cNvPr id="1" name=""/>
-        <p:cNvGrpSpPr/>
-        <p:nvPr/>
-      </p:nvGrpSpPr>
-      <p:grpSpPr>
-        <a:xfrm>
-          <a:off x="0" y="0"/>
-          <a:ext cx="0" cy="0"/>
-          <a:chOff x="0" y="0"/>
-          <a:chExt cx="0" cy="0"/>
-        </a:xfrm>
-      </p:grpSpPr>
-      <p:sp>
-        <p:nvSpPr>
-          <p:cNvPr id="2" name="Title 1"/>
-          <p:cNvSpPr>
-            <a:spLocks noGrp="1"/>
-          </p:cNvSpPr>
-          <p:nvPr>
-            <p:ph type="title"/>
-          </p:nvPr>
-        </p:nvSpPr>
-        <p:spPr/>
-        <p:txBody>
-          <a:bodyPr/>
-          <a:lstStyle/>
-          <a:p>
-            <a:r>
-              <a:rPr lang="en-US" dirty="0" smtClean="0"/>
-              <a:t>Abstract Class Vs Interface</a:t>
-            </a:r>
-            <a:endParaRPr lang="en-US" dirty="0"/>
-          </a:p>
-        </p:txBody>
-      </p:sp>
-      <p:sp>
-        <p:nvSpPr>
-          <p:cNvPr id="3" name="Content Placeholder 2"/>
-          <p:cNvSpPr>
-            <a:spLocks noGrp="1"/>
-          </p:cNvSpPr>
-          <p:nvPr>
-            <p:ph idx="1"/>
-          </p:nvPr>
-        </p:nvSpPr>
-        <p:spPr/>
-        <p:txBody>
-          <a:bodyPr/>
-          <a:lstStyle/>
-          <a:p>
-            <a:r>
-              <a:rPr lang="da-DK" dirty="0" smtClean="0"/>
-              <a:t>Interfaces </a:t>
-            </a:r>
-            <a:r>
-              <a:rPr lang="da-DK" dirty="0" err="1" smtClean="0"/>
-              <a:t>are</a:t>
-            </a:r>
-            <a:r>
-              <a:rPr lang="da-DK" dirty="0" smtClean="0"/>
-              <a:t> </a:t>
-            </a:r>
-            <a:r>
-              <a:rPr lang="da-DK" dirty="0" err="1" smtClean="0"/>
-              <a:t>very</a:t>
-            </a:r>
-            <a:r>
-              <a:rPr lang="da-DK" dirty="0" smtClean="0"/>
-              <a:t> </a:t>
-            </a:r>
-            <a:r>
-              <a:rPr lang="da-DK" dirty="0" err="1" smtClean="0"/>
-              <a:t>smiliar</a:t>
-            </a:r>
-            <a:r>
-              <a:rPr lang="da-DK" dirty="0" smtClean="0"/>
-              <a:t> to </a:t>
-            </a:r>
-            <a:r>
-              <a:rPr lang="da-DK" dirty="0" err="1" smtClean="0"/>
-              <a:t>abstract</a:t>
-            </a:r>
-            <a:r>
-              <a:rPr lang="da-DK" dirty="0" smtClean="0"/>
-              <a:t> </a:t>
-            </a:r>
-            <a:r>
-              <a:rPr lang="da-DK" dirty="0" err="1" smtClean="0"/>
-              <a:t>classes</a:t>
-            </a:r>
-            <a:endParaRPr lang="da-DK" dirty="0" smtClean="0"/>
-          </a:p>
-          <a:p>
-            <a:r>
-              <a:rPr lang="da-DK" dirty="0" smtClean="0"/>
-              <a:t>Interfaces </a:t>
-            </a:r>
-            <a:r>
-              <a:rPr lang="da-DK" dirty="0" err="1" smtClean="0"/>
-              <a:t>are</a:t>
-            </a:r>
-            <a:r>
-              <a:rPr lang="da-DK" dirty="0" smtClean="0"/>
-              <a:t> </a:t>
-            </a:r>
-            <a:r>
-              <a:rPr lang="da-DK" dirty="0" err="1" smtClean="0"/>
-              <a:t>used</a:t>
-            </a:r>
-            <a:r>
-              <a:rPr lang="da-DK" dirty="0" smtClean="0"/>
-              <a:t> </a:t>
-            </a:r>
-            <a:r>
-              <a:rPr lang="da-DK" dirty="0" err="1" smtClean="0"/>
-              <a:t>instead</a:t>
-            </a:r>
-            <a:r>
-              <a:rPr lang="da-DK" dirty="0" smtClean="0"/>
-              <a:t> of </a:t>
-            </a:r>
-            <a:r>
-              <a:rPr lang="da-DK" dirty="0" err="1" smtClean="0"/>
-              <a:t>abstract</a:t>
-            </a:r>
-            <a:r>
-              <a:rPr lang="da-DK" dirty="0" smtClean="0"/>
-              <a:t> </a:t>
-            </a:r>
-            <a:r>
-              <a:rPr lang="da-DK" dirty="0" err="1" smtClean="0"/>
-              <a:t>classes</a:t>
-            </a:r>
-            <a:r>
-              <a:rPr lang="da-DK" dirty="0" smtClean="0"/>
-              <a:t> </a:t>
-            </a:r>
-            <a:r>
-              <a:rPr lang="da-DK" dirty="0" err="1" smtClean="0"/>
-              <a:t>because</a:t>
-            </a:r>
-            <a:r>
-              <a:rPr lang="da-DK" dirty="0" smtClean="0"/>
-              <a:t> C# </a:t>
-            </a:r>
-            <a:r>
-              <a:rPr lang="da-DK" dirty="0" err="1" smtClean="0"/>
-              <a:t>doesn’t</a:t>
-            </a:r>
-            <a:r>
-              <a:rPr lang="da-DK" dirty="0" smtClean="0"/>
-              <a:t> </a:t>
-            </a:r>
-            <a:r>
-              <a:rPr lang="da-DK" dirty="0" err="1" smtClean="0"/>
-              <a:t>allow</a:t>
-            </a:r>
-            <a:r>
-              <a:rPr lang="da-DK" dirty="0" smtClean="0"/>
-              <a:t> </a:t>
-            </a:r>
-            <a:r>
-              <a:rPr lang="da-DK" dirty="0" err="1" smtClean="0"/>
-              <a:t>inheritance</a:t>
-            </a:r>
-            <a:r>
-              <a:rPr lang="da-DK" dirty="0" smtClean="0"/>
-              <a:t> from multiple </a:t>
-            </a:r>
-            <a:r>
-              <a:rPr lang="da-DK" smtClean="0"/>
-              <a:t>classes</a:t>
-            </a:r>
-            <a:endParaRPr lang="da-DK" dirty="0"/>
-          </a:p>
-        </p:txBody>
-      </p:sp>
-    </p:spTree>
-  </p:cSld>
-  <p:clrMapOvr>
-    <a:masterClrMapping/>
-  </p:clrMapOvr>
-</p:sld>
-</file>
-
-<file path=ppt/slides/slide8.xml><?xml version="1.0" encoding="utf-8"?>
-<p:sld xmlns:a="http://schemas.openxmlformats.org/drawingml/2006/main" xmlns:r="http://schemas.openxmlformats.org/officeDocument/2006/relationships" xmlns:p="http://schemas.openxmlformats.org/presentationml/2006/main">
-  <p:cSld>
-    <p:spTree>
-      <p:nvGrpSpPr>
-        <p:cNvPr id="1" name=""/>
-        <p:cNvGrpSpPr/>
-        <p:nvPr/>
-      </p:nvGrpSpPr>
-      <p:grpSpPr>
-        <a:xfrm>
-          <a:off x="0" y="0"/>
-          <a:ext cx="0" cy="0"/>
-          <a:chOff x="0" y="0"/>
-          <a:chExt cx="0" cy="0"/>
-        </a:xfrm>
-      </p:grpSpPr>
-      <p:sp>
-        <p:nvSpPr>
-          <p:cNvPr id="2" name="Title 1"/>
-          <p:cNvSpPr>
-            <a:spLocks noGrp="1"/>
-          </p:cNvSpPr>
-          <p:nvPr>
-            <p:ph type="title"/>
-          </p:nvPr>
-        </p:nvSpPr>
-        <p:spPr/>
-        <p:txBody>
-          <a:bodyPr/>
-          <a:lstStyle/>
-          <a:p>
-            <a:r>
-              <a:rPr lang="en-US" dirty="0" smtClean="0"/>
-              <a:t>Garbage Collector</a:t>
-            </a:r>
-            <a:endParaRPr lang="en-US" dirty="0"/>
-          </a:p>
-        </p:txBody>
-      </p:sp>
-      <p:sp>
-        <p:nvSpPr>
-          <p:cNvPr id="3" name="Content Placeholder 2"/>
-          <p:cNvSpPr>
-            <a:spLocks noGrp="1"/>
-          </p:cNvSpPr>
-          <p:nvPr>
-            <p:ph idx="1"/>
-          </p:nvPr>
-        </p:nvSpPr>
-        <p:spPr/>
-        <p:txBody>
-          <a:bodyPr/>
-          <a:lstStyle/>
-          <a:p>
-            <a:r>
-              <a:rPr lang="en-US" dirty="0" smtClean="0"/>
-              <a:t>C# performs automatic garbage collection</a:t>
-            </a:r>
-          </a:p>
-          <a:p>
-            <a:pPr lvl="1"/>
-            <a:r>
-              <a:rPr lang="en-US" dirty="0" smtClean="0"/>
-              <a:t>Collection/removing objects that are marked as garbage</a:t>
-            </a:r>
-          </a:p>
-          <a:p>
-            <a:pPr lvl="1"/>
-            <a:r>
-              <a:rPr lang="en-US" dirty="0" smtClean="0"/>
-              <a:t>Object that no longer has a reference</a:t>
-            </a:r>
-          </a:p>
-          <a:p>
-            <a:pPr lvl="1"/>
-            <a:r>
-              <a:rPr lang="en-US" dirty="0" smtClean="0"/>
-              <a:t>C# programmers don’t need to worry about explicitly reclaiming memory that has become garbage </a:t>
-            </a:r>
-            <a:endParaRPr lang="en-US" dirty="0"/>
-          </a:p>
-        </p:txBody>
-      </p:sp>
-    </p:spTree>
-  </p:cSld>
-  <p:clrMapOvr>
-    <a:masterClrMapping/>
-  </p:clrMapOvr>
-</p:sld>
-</file>
-
-<file path=ppt/slides/slide9.xml><?xml version="1.0" encoding="utf-8"?>
-<p:sld xmlns:a="http://schemas.openxmlformats.org/drawingml/2006/main" xmlns:r="http://schemas.openxmlformats.org/officeDocument/2006/relationships" xmlns:p="http://schemas.openxmlformats.org/presentationml/2006/main">
-  <p:cSld>
-    <p:spTree>
-      <p:nvGrpSpPr>
-        <p:cNvPr id="1" name=""/>
-        <p:cNvGrpSpPr/>
-        <p:nvPr/>
-      </p:nvGrpSpPr>
-      <p:grpSpPr>
-        <a:xfrm>
-          <a:off x="0" y="0"/>
-          <a:ext cx="0" cy="0"/>
-          <a:chOff x="0" y="0"/>
-          <a:chExt cx="0" cy="0"/>
-        </a:xfrm>
-      </p:grpSpPr>
-      <p:sp>
-        <p:nvSpPr>
-          <p:cNvPr id="2" name="Title 1"/>
-          <p:cNvSpPr>
-            <a:spLocks noGrp="1"/>
-          </p:cNvSpPr>
-          <p:nvPr>
-            <p:ph type="title"/>
-          </p:nvPr>
-        </p:nvSpPr>
-        <p:spPr/>
-        <p:txBody>
-          <a:bodyPr/>
-          <a:lstStyle/>
-          <a:p>
-            <a:r>
-              <a:rPr lang="en-US" dirty="0" smtClean="0"/>
-              <a:t>Use</a:t>
-            </a:r>
-            <a:r>
-              <a:rPr lang="da-DK" dirty="0" smtClean="0"/>
-              <a:t> i</a:t>
-            </a:r>
-            <a:r>
-              <a:rPr lang="en-US" dirty="0" smtClean="0"/>
-              <a:t>n our program</a:t>
-            </a:r>
-            <a:endParaRPr lang="en-US" dirty="0"/>
-          </a:p>
-        </p:txBody>
-      </p:sp>
-      <p:sp>
-        <p:nvSpPr>
-          <p:cNvPr id="4" name="Content Placeholder 2"/>
-          <p:cNvSpPr>
-            <a:spLocks noGrp="1"/>
-          </p:cNvSpPr>
-          <p:nvPr>
-            <p:ph idx="1"/>
-          </p:nvPr>
-        </p:nvSpPr>
-        <p:spPr/>
-        <p:txBody>
-          <a:bodyPr/>
-          <a:lstStyle/>
-          <a:p>
-            <a:r>
-              <a:rPr lang="da-DK" dirty="0" smtClean="0"/>
-              <a:t>Black Jack Game</a:t>
-            </a:r>
-          </a:p>
-          <a:p>
-            <a:endParaRPr lang="da-DK" dirty="0" smtClean="0"/>
-          </a:p>
-          <a:p>
-            <a:r>
-              <a:rPr lang="da-DK" dirty="0" smtClean="0"/>
-              <a:t>Log</a:t>
-            </a:r>
-          </a:p>
-          <a:p>
-            <a:r>
-              <a:rPr lang="da-DK" dirty="0" smtClean="0"/>
-              <a:t>Save Log</a:t>
-            </a:r>
-          </a:p>
-          <a:p>
-            <a:r>
-              <a:rPr lang="da-DK" dirty="0" err="1" smtClean="0"/>
-              <a:t>Betting</a:t>
-            </a:r>
-            <a:endParaRPr lang="da-DK" dirty="0" smtClean="0"/>
-          </a:p>
-          <a:p>
-            <a:r>
-              <a:rPr lang="da-DK" dirty="0" smtClean="0"/>
-              <a:t>Hit</a:t>
-            </a:r>
-          </a:p>
-          <a:p>
-            <a:r>
-              <a:rPr lang="da-DK" dirty="0" smtClean="0"/>
-              <a:t>Stand</a:t>
-            </a:r>
-          </a:p>
-        </p:txBody>
-      </p:sp>
-      <p:pic>
-        <p:nvPicPr>
-          <p:cNvPr id="5" name="Picture 2" descr="C:\Users\Martin\Desktop\Personal\Civil 3 Semester\projectwork\OOPExam\appScreenshot.png"/>
-          <p:cNvPicPr>
-            <a:picLocks noChangeAspect="1" noChangeArrowheads="1"/>
-          </p:cNvPicPr>
-          <p:nvPr/>
-        </p:nvPicPr>
-        <p:blipFill>
-          <a:blip r:embed="rId2" cstate="print"/>
-          <a:srcRect/>
-          <a:stretch>
-            <a:fillRect/>
-          </a:stretch>
-        </p:blipFill>
-        <p:spPr bwMode="auto">
-          <a:xfrm>
-            <a:off x="2714612" y="2357430"/>
-            <a:ext cx="6207028" cy="3430838"/>
-          </a:xfrm>
-          <a:prstGeom prst="rect">
-            <a:avLst/>
-          </a:prstGeom>
-          <a:noFill/>
-        </p:spPr>
-      </p:pic>
+              <a:rPr lang="en-US" smtClean="0"/>
+              <a:t>analysis?</a:t>
+            </a:r>
+            <a:endParaRPr lang="en-US" smtClean="0"/>
+          </a:p>
+        </p:txBody>
+      </p:sp>
     </p:spTree>
   </p:cSld>
   <p:clrMapOvr>

--- a/SSE2/slides/1 Analysis.pptx
+++ b/SSE2/slides/1 Analysis.pptx
@@ -5,11 +5,14 @@
     <p:sldMasterId id="2147483648" r:id="rId1"/>
   </p:sldMasterIdLst>
   <p:notesMasterIdLst>
-    <p:notesMasterId r:id="rId4"/>
+    <p:notesMasterId r:id="rId7"/>
   </p:notesMasterIdLst>
   <p:sldIdLst>
     <p:sldId id="256" r:id="rId2"/>
     <p:sldId id="257" r:id="rId3"/>
+    <p:sldId id="260" r:id="rId4"/>
+    <p:sldId id="259" r:id="rId5"/>
+    <p:sldId id="258" r:id="rId6"/>
   </p:sldIdLst>
   <p:sldSz cx="9144000" cy="6858000" type="screen4x3"/>
   <p:notesSz cx="6858000" cy="9144000"/>
@@ -194,7 +197,7 @@
             <a:fld id="{D69E125A-D55E-45C6-9A62-FE6830745A2A}" type="datetimeFigureOut">
               <a:rPr lang="en-US" smtClean="0"/>
               <a:pPr/>
-              <a:t>3/12/2010</a:t>
+              <a:t>3/21/2010</a:t>
             </a:fld>
             <a:endParaRPr lang="en-US"/>
           </a:p>
@@ -730,6 +733,292 @@
 </p:notes>
 </file>
 
+<file path=ppt/notesSlides/notesSlide3.xml><?xml version="1.0" encoding="utf-8"?>
+<p:notes xmlns:a="http://schemas.openxmlformats.org/drawingml/2006/main" xmlns:r="http://schemas.openxmlformats.org/officeDocument/2006/relationships" xmlns:p="http://schemas.openxmlformats.org/presentationml/2006/main">
+  <p:cSld>
+    <p:spTree>
+      <p:nvGrpSpPr>
+        <p:cNvPr id="1" name=""/>
+        <p:cNvGrpSpPr/>
+        <p:nvPr/>
+      </p:nvGrpSpPr>
+      <p:grpSpPr>
+        <a:xfrm>
+          <a:off x="0" y="0"/>
+          <a:ext cx="0" cy="0"/>
+          <a:chOff x="0" y="0"/>
+          <a:chExt cx="0" cy="0"/>
+        </a:xfrm>
+      </p:grpSpPr>
+      <p:sp>
+        <p:nvSpPr>
+          <p:cNvPr id="2" name="Pladsholder til diasbillede 1"/>
+          <p:cNvSpPr>
+            <a:spLocks noGrp="1" noRot="1" noChangeAspect="1"/>
+          </p:cNvSpPr>
+          <p:nvPr>
+            <p:ph type="sldImg"/>
+          </p:nvPr>
+        </p:nvSpPr>
+        <p:spPr/>
+      </p:sp>
+      <p:sp>
+        <p:nvSpPr>
+          <p:cNvPr id="3" name="Pladsholder til noter 2"/>
+          <p:cNvSpPr>
+            <a:spLocks noGrp="1"/>
+          </p:cNvSpPr>
+          <p:nvPr>
+            <p:ph type="body" idx="1"/>
+          </p:nvPr>
+        </p:nvSpPr>
+        <p:spPr/>
+        <p:txBody>
+          <a:bodyPr>
+            <a:normAutofit/>
+          </a:bodyPr>
+          <a:lstStyle/>
+          <a:p>
+            <a:pPr>
+              <a:buFont typeface="Arial" pitchFamily="34" charset="0"/>
+              <a:buChar char="•"/>
+            </a:pPr>
+            <a:r>
+              <a:rPr lang="en-US" sz="1200" kern="1200" baseline="0" dirty="0" smtClean="0">
+                <a:solidFill>
+                  <a:schemeClr val="tx1"/>
+                </a:solidFill>
+                <a:latin typeface="+mn-lt"/>
+                <a:ea typeface="+mn-ea"/>
+                <a:cs typeface="+mn-cs"/>
+              </a:rPr>
+              <a:t>We can specify the syntax of a programming language formally by means of a </a:t>
+            </a:r>
+            <a:r>
+              <a:rPr lang="en-US" sz="1200" b="1" i="1" kern="1200" baseline="0" dirty="0" smtClean="0">
+                <a:solidFill>
+                  <a:schemeClr val="tx1"/>
+                </a:solidFill>
+                <a:latin typeface="+mn-lt"/>
+                <a:ea typeface="+mn-ea"/>
+                <a:cs typeface="+mn-cs"/>
+              </a:rPr>
+              <a:t>context-free grammar.</a:t>
+            </a:r>
+            <a:endParaRPr lang="en-US" sz="1200" b="1" i="1" kern="1200" baseline="0" smtClean="0">
+              <a:solidFill>
+                <a:schemeClr val="tx1"/>
+              </a:solidFill>
+              <a:latin typeface="+mn-lt"/>
+              <a:ea typeface="+mn-ea"/>
+              <a:cs typeface="+mn-cs"/>
+            </a:endParaRPr>
+          </a:p>
+          <a:p>
+            <a:pPr>
+              <a:buFont typeface="Arial" pitchFamily="34" charset="0"/>
+              <a:buChar char="•"/>
+            </a:pPr>
+            <a:endParaRPr lang="en-US" noProof="0" dirty="0"/>
+          </a:p>
+        </p:txBody>
+      </p:sp>
+      <p:sp>
+        <p:nvSpPr>
+          <p:cNvPr id="4" name="Pladsholder til diasnummer 3"/>
+          <p:cNvSpPr>
+            <a:spLocks noGrp="1"/>
+          </p:cNvSpPr>
+          <p:nvPr>
+            <p:ph type="sldNum" sz="quarter" idx="10"/>
+          </p:nvPr>
+        </p:nvSpPr>
+        <p:spPr/>
+        <p:txBody>
+          <a:bodyPr/>
+          <a:lstStyle/>
+          <a:p>
+            <a:fld id="{6C3390C7-C92A-440B-B67D-36FF6D2DBAFD}" type="slidenum">
+              <a:rPr lang="en-US" smtClean="0"/>
+              <a:pPr/>
+              <a:t>3</a:t>
+            </a:fld>
+            <a:endParaRPr lang="en-US"/>
+          </a:p>
+        </p:txBody>
+      </p:sp>
+    </p:spTree>
+  </p:cSld>
+  <p:clrMapOvr>
+    <a:masterClrMapping/>
+  </p:clrMapOvr>
+</p:notes>
+</file>
+
+<file path=ppt/notesSlides/notesSlide4.xml><?xml version="1.0" encoding="utf-8"?>
+<p:notes xmlns:a="http://schemas.openxmlformats.org/drawingml/2006/main" xmlns:r="http://schemas.openxmlformats.org/officeDocument/2006/relationships" xmlns:p="http://schemas.openxmlformats.org/presentationml/2006/main">
+  <p:cSld>
+    <p:spTree>
+      <p:nvGrpSpPr>
+        <p:cNvPr id="1" name=""/>
+        <p:cNvGrpSpPr/>
+        <p:nvPr/>
+      </p:nvGrpSpPr>
+      <p:grpSpPr>
+        <a:xfrm>
+          <a:off x="0" y="0"/>
+          <a:ext cx="0" cy="0"/>
+          <a:chOff x="0" y="0"/>
+          <a:chExt cx="0" cy="0"/>
+        </a:xfrm>
+      </p:grpSpPr>
+      <p:sp>
+        <p:nvSpPr>
+          <p:cNvPr id="2" name="Pladsholder til diasbillede 1"/>
+          <p:cNvSpPr>
+            <a:spLocks noGrp="1" noRot="1" noChangeAspect="1"/>
+          </p:cNvSpPr>
+          <p:nvPr>
+            <p:ph type="sldImg"/>
+          </p:nvPr>
+        </p:nvSpPr>
+        <p:spPr/>
+      </p:sp>
+      <p:sp>
+        <p:nvSpPr>
+          <p:cNvPr id="3" name="Pladsholder til noter 2"/>
+          <p:cNvSpPr>
+            <a:spLocks noGrp="1"/>
+          </p:cNvSpPr>
+          <p:nvPr>
+            <p:ph type="body" idx="1"/>
+          </p:nvPr>
+        </p:nvSpPr>
+        <p:spPr/>
+        <p:txBody>
+          <a:bodyPr>
+            <a:normAutofit/>
+          </a:bodyPr>
+          <a:lstStyle/>
+          <a:p>
+            <a:endParaRPr lang="en-US" noProof="0" dirty="0"/>
+          </a:p>
+        </p:txBody>
+      </p:sp>
+      <p:sp>
+        <p:nvSpPr>
+          <p:cNvPr id="4" name="Pladsholder til diasnummer 3"/>
+          <p:cNvSpPr>
+            <a:spLocks noGrp="1"/>
+          </p:cNvSpPr>
+          <p:nvPr>
+            <p:ph type="sldNum" sz="quarter" idx="10"/>
+          </p:nvPr>
+        </p:nvSpPr>
+        <p:spPr/>
+        <p:txBody>
+          <a:bodyPr/>
+          <a:lstStyle/>
+          <a:p>
+            <a:fld id="{6C3390C7-C92A-440B-B67D-36FF6D2DBAFD}" type="slidenum">
+              <a:rPr lang="en-US" smtClean="0"/>
+              <a:pPr/>
+              <a:t>4</a:t>
+            </a:fld>
+            <a:endParaRPr lang="en-US"/>
+          </a:p>
+        </p:txBody>
+      </p:sp>
+    </p:spTree>
+  </p:cSld>
+  <p:clrMapOvr>
+    <a:masterClrMapping/>
+  </p:clrMapOvr>
+</p:notes>
+</file>
+
+<file path=ppt/notesSlides/notesSlide5.xml><?xml version="1.0" encoding="utf-8"?>
+<p:notes xmlns:a="http://schemas.openxmlformats.org/drawingml/2006/main" xmlns:r="http://schemas.openxmlformats.org/officeDocument/2006/relationships" xmlns:p="http://schemas.openxmlformats.org/presentationml/2006/main">
+  <p:cSld>
+    <p:spTree>
+      <p:nvGrpSpPr>
+        <p:cNvPr id="1" name=""/>
+        <p:cNvGrpSpPr/>
+        <p:nvPr/>
+      </p:nvGrpSpPr>
+      <p:grpSpPr>
+        <a:xfrm>
+          <a:off x="0" y="0"/>
+          <a:ext cx="0" cy="0"/>
+          <a:chOff x="0" y="0"/>
+          <a:chExt cx="0" cy="0"/>
+        </a:xfrm>
+      </p:grpSpPr>
+      <p:sp>
+        <p:nvSpPr>
+          <p:cNvPr id="2" name="Pladsholder til diasbillede 1"/>
+          <p:cNvSpPr>
+            <a:spLocks noGrp="1" noRot="1" noChangeAspect="1"/>
+          </p:cNvSpPr>
+          <p:nvPr>
+            <p:ph type="sldImg"/>
+          </p:nvPr>
+        </p:nvSpPr>
+        <p:spPr/>
+      </p:sp>
+      <p:sp>
+        <p:nvSpPr>
+          <p:cNvPr id="3" name="Pladsholder til noter 2"/>
+          <p:cNvSpPr>
+            <a:spLocks noGrp="1"/>
+          </p:cNvSpPr>
+          <p:nvPr>
+            <p:ph type="body" idx="1"/>
+          </p:nvPr>
+        </p:nvSpPr>
+        <p:spPr/>
+        <p:txBody>
+          <a:bodyPr>
+            <a:normAutofit/>
+          </a:bodyPr>
+          <a:lstStyle/>
+          <a:p>
+            <a:endParaRPr lang="en-US" noProof="0" dirty="0"/>
+          </a:p>
+        </p:txBody>
+      </p:sp>
+      <p:sp>
+        <p:nvSpPr>
+          <p:cNvPr id="4" name="Pladsholder til diasnummer 3"/>
+          <p:cNvSpPr>
+            <a:spLocks noGrp="1"/>
+          </p:cNvSpPr>
+          <p:nvPr>
+            <p:ph type="sldNum" sz="quarter" idx="10"/>
+          </p:nvPr>
+        </p:nvSpPr>
+        <p:spPr/>
+        <p:txBody>
+          <a:bodyPr/>
+          <a:lstStyle/>
+          <a:p>
+            <a:fld id="{6C3390C7-C92A-440B-B67D-36FF6D2DBAFD}" type="slidenum">
+              <a:rPr lang="en-US" smtClean="0"/>
+              <a:pPr/>
+              <a:t>5</a:t>
+            </a:fld>
+            <a:endParaRPr lang="en-US"/>
+          </a:p>
+        </p:txBody>
+      </p:sp>
+    </p:spTree>
+  </p:cSld>
+  <p:clrMapOvr>
+    <a:masterClrMapping/>
+  </p:clrMapOvr>
+</p:notes>
+</file>
+
 <file path=ppt/slideLayouts/slideLayout1.xml><?xml version="1.0" encoding="utf-8"?>
 <p:sldLayout xmlns:a="http://schemas.openxmlformats.org/drawingml/2006/main" xmlns:r="http://schemas.openxmlformats.org/officeDocument/2006/relationships" xmlns:p="http://schemas.openxmlformats.org/presentationml/2006/main" type="title" preserve="1">
   <p:cSld name="Title Slide">
@@ -912,7 +1201,7 @@
             <a:fld id="{3E57D7DC-7299-43C9-BAE2-F335855B8707}" type="datetimeFigureOut">
               <a:rPr lang="en-US" smtClean="0"/>
               <a:pPr/>
-              <a:t>3/12/2010</a:t>
+              <a:t>3/21/2010</a:t>
             </a:fld>
             <a:endParaRPr lang="da-DK"/>
           </a:p>
@@ -1079,7 +1368,7 @@
             <a:fld id="{3E57D7DC-7299-43C9-BAE2-F335855B8707}" type="datetimeFigureOut">
               <a:rPr lang="en-US" smtClean="0"/>
               <a:pPr/>
-              <a:t>3/12/2010</a:t>
+              <a:t>3/21/2010</a:t>
             </a:fld>
             <a:endParaRPr lang="da-DK"/>
           </a:p>
@@ -1256,7 +1545,7 @@
             <a:fld id="{3E57D7DC-7299-43C9-BAE2-F335855B8707}" type="datetimeFigureOut">
               <a:rPr lang="en-US" smtClean="0"/>
               <a:pPr/>
-              <a:t>3/12/2010</a:t>
+              <a:t>3/21/2010</a:t>
             </a:fld>
             <a:endParaRPr lang="da-DK"/>
           </a:p>
@@ -1423,7 +1712,7 @@
             <a:fld id="{3E57D7DC-7299-43C9-BAE2-F335855B8707}" type="datetimeFigureOut">
               <a:rPr lang="en-US" smtClean="0"/>
               <a:pPr/>
-              <a:t>3/12/2010</a:t>
+              <a:t>3/21/2010</a:t>
             </a:fld>
             <a:endParaRPr lang="da-DK"/>
           </a:p>
@@ -1666,7 +1955,7 @@
             <a:fld id="{3E57D7DC-7299-43C9-BAE2-F335855B8707}" type="datetimeFigureOut">
               <a:rPr lang="en-US" smtClean="0"/>
               <a:pPr/>
-              <a:t>3/12/2010</a:t>
+              <a:t>3/21/2010</a:t>
             </a:fld>
             <a:endParaRPr lang="da-DK"/>
           </a:p>
@@ -1951,7 +2240,7 @@
             <a:fld id="{3E57D7DC-7299-43C9-BAE2-F335855B8707}" type="datetimeFigureOut">
               <a:rPr lang="en-US" smtClean="0"/>
               <a:pPr/>
-              <a:t>3/12/2010</a:t>
+              <a:t>3/21/2010</a:t>
             </a:fld>
             <a:endParaRPr lang="da-DK"/>
           </a:p>
@@ -2370,7 +2659,7 @@
             <a:fld id="{3E57D7DC-7299-43C9-BAE2-F335855B8707}" type="datetimeFigureOut">
               <a:rPr lang="en-US" smtClean="0"/>
               <a:pPr/>
-              <a:t>3/12/2010</a:t>
+              <a:t>3/21/2010</a:t>
             </a:fld>
             <a:endParaRPr lang="da-DK"/>
           </a:p>
@@ -2485,7 +2774,7 @@
             <a:fld id="{3E57D7DC-7299-43C9-BAE2-F335855B8707}" type="datetimeFigureOut">
               <a:rPr lang="en-US" smtClean="0"/>
               <a:pPr/>
-              <a:t>3/12/2010</a:t>
+              <a:t>3/21/2010</a:t>
             </a:fld>
             <a:endParaRPr lang="da-DK"/>
           </a:p>
@@ -2577,7 +2866,7 @@
             <a:fld id="{3E57D7DC-7299-43C9-BAE2-F335855B8707}" type="datetimeFigureOut">
               <a:rPr lang="en-US" smtClean="0"/>
               <a:pPr/>
-              <a:t>3/12/2010</a:t>
+              <a:t>3/21/2010</a:t>
             </a:fld>
             <a:endParaRPr lang="da-DK"/>
           </a:p>
@@ -2851,7 +3140,7 @@
             <a:fld id="{3E57D7DC-7299-43C9-BAE2-F335855B8707}" type="datetimeFigureOut">
               <a:rPr lang="en-US" smtClean="0"/>
               <a:pPr/>
-              <a:t>3/12/2010</a:t>
+              <a:t>3/21/2010</a:t>
             </a:fld>
             <a:endParaRPr lang="da-DK"/>
           </a:p>
@@ -3101,7 +3390,7 @@
             <a:fld id="{3E57D7DC-7299-43C9-BAE2-F335855B8707}" type="datetimeFigureOut">
               <a:rPr lang="en-US" smtClean="0"/>
               <a:pPr/>
-              <a:t>3/12/2010</a:t>
+              <a:t>3/21/2010</a:t>
             </a:fld>
             <a:endParaRPr lang="da-DK"/>
           </a:p>
@@ -3311,7 +3600,7 @@
             <a:fld id="{3E57D7DC-7299-43C9-BAE2-F335855B8707}" type="datetimeFigureOut">
               <a:rPr lang="en-US" smtClean="0"/>
               <a:pPr/>
-              <a:t>3/12/2010</a:t>
+              <a:t>3/21/2010</a:t>
             </a:fld>
             <a:endParaRPr lang="da-DK"/>
           </a:p>
@@ -3701,11 +3990,7 @@
           <a:p>
             <a:r>
               <a:rPr lang="en-US" b="1" smtClean="0"/>
-              <a:t>1 </a:t>
-            </a:r>
-            <a:r>
-              <a:rPr lang="en-US" b="1" smtClean="0"/>
-              <a:t>Analysis</a:t>
+              <a:t>1 Analysis</a:t>
             </a:r>
             <a:endParaRPr lang="en-US"/>
           </a:p>
@@ -3776,10 +4061,10 @@
           <a:lstStyle/>
           <a:p>
             <a:r>
-              <a:rPr lang="en-US" smtClean="0"/>
+              <a:rPr lang="en-US" dirty="0" smtClean="0"/>
               <a:t>Analysis</a:t>
             </a:r>
-            <a:endParaRPr lang="en-US"/>
+            <a:endParaRPr lang="en-US" dirty="0"/>
           </a:p>
         </p:txBody>
       </p:sp>
@@ -3800,17 +4085,240 @@
           <a:p>
             <a:r>
               <a:rPr lang="en-US" smtClean="0"/>
-              <a:t>What</a:t>
-            </a:r>
-            <a:r>
-              <a:rPr lang="en-US" smtClean="0"/>
-              <a:t> is </a:t>
-            </a:r>
-            <a:r>
-              <a:rPr lang="en-US" smtClean="0"/>
-              <a:t>analysis?</a:t>
-            </a:r>
-            <a:endParaRPr lang="en-US" smtClean="0"/>
+              <a:t>What is analysis?</a:t>
+            </a:r>
+          </a:p>
+        </p:txBody>
+      </p:sp>
+    </p:spTree>
+  </p:cSld>
+  <p:clrMapOvr>
+    <a:masterClrMapping/>
+  </p:clrMapOvr>
+</p:sld>
+</file>
+
+<file path=ppt/slides/slide3.xml><?xml version="1.0" encoding="utf-8"?>
+<p:sld xmlns:a="http://schemas.openxmlformats.org/drawingml/2006/main" xmlns:r="http://schemas.openxmlformats.org/officeDocument/2006/relationships" xmlns:p="http://schemas.openxmlformats.org/presentationml/2006/main">
+  <p:cSld>
+    <p:spTree>
+      <p:nvGrpSpPr>
+        <p:cNvPr id="1" name=""/>
+        <p:cNvGrpSpPr/>
+        <p:nvPr/>
+      </p:nvGrpSpPr>
+      <p:grpSpPr>
+        <a:xfrm>
+          <a:off x="0" y="0"/>
+          <a:ext cx="0" cy="0"/>
+          <a:chOff x="0" y="0"/>
+          <a:chExt cx="0" cy="0"/>
+        </a:xfrm>
+      </p:grpSpPr>
+      <p:sp>
+        <p:nvSpPr>
+          <p:cNvPr id="2" name="Title 1"/>
+          <p:cNvSpPr>
+            <a:spLocks noGrp="1"/>
+          </p:cNvSpPr>
+          <p:nvPr>
+            <p:ph type="title"/>
+          </p:nvPr>
+        </p:nvSpPr>
+        <p:spPr>
+          <a:xfrm>
+            <a:off x="428596" y="285728"/>
+            <a:ext cx="8229600" cy="1143000"/>
+          </a:xfrm>
+        </p:spPr>
+        <p:txBody>
+          <a:bodyPr/>
+          <a:lstStyle/>
+          <a:p>
+            <a:r>
+              <a:rPr lang="en-US" dirty="0" smtClean="0"/>
+              <a:t>Context-free grammar</a:t>
+            </a:r>
+            <a:endParaRPr lang="en-US" dirty="0"/>
+          </a:p>
+        </p:txBody>
+      </p:sp>
+      <p:sp>
+        <p:nvSpPr>
+          <p:cNvPr id="3" name="Content Placeholder 2"/>
+          <p:cNvSpPr>
+            <a:spLocks noGrp="1"/>
+          </p:cNvSpPr>
+          <p:nvPr>
+            <p:ph idx="1"/>
+          </p:nvPr>
+        </p:nvSpPr>
+        <p:spPr/>
+        <p:txBody>
+          <a:bodyPr/>
+          <a:lstStyle/>
+          <a:p>
+            <a:r>
+              <a:rPr lang="en-US" dirty="0" smtClean="0"/>
+              <a:t>S</a:t>
+            </a:r>
+            <a:r>
+              <a:rPr lang="en-US" dirty="0" smtClean="0"/>
+              <a:t>pecify </a:t>
+            </a:r>
+            <a:r>
+              <a:rPr lang="en-US" dirty="0" smtClean="0"/>
+              <a:t>the </a:t>
+            </a:r>
+            <a:r>
+              <a:rPr lang="en-US" dirty="0" smtClean="0"/>
+              <a:t>syntax</a:t>
+            </a:r>
+            <a:endParaRPr lang="en-US" dirty="0" smtClean="0"/>
+          </a:p>
+        </p:txBody>
+      </p:sp>
+    </p:spTree>
+  </p:cSld>
+  <p:clrMapOvr>
+    <a:masterClrMapping/>
+  </p:clrMapOvr>
+</p:sld>
+</file>
+
+<file path=ppt/slides/slide4.xml><?xml version="1.0" encoding="utf-8"?>
+<p:sld xmlns:a="http://schemas.openxmlformats.org/drawingml/2006/main" xmlns:r="http://schemas.openxmlformats.org/officeDocument/2006/relationships" xmlns:p="http://schemas.openxmlformats.org/presentationml/2006/main">
+  <p:cSld>
+    <p:spTree>
+      <p:nvGrpSpPr>
+        <p:cNvPr id="1" name=""/>
+        <p:cNvGrpSpPr/>
+        <p:nvPr/>
+      </p:nvGrpSpPr>
+      <p:grpSpPr>
+        <a:xfrm>
+          <a:off x="0" y="0"/>
+          <a:ext cx="0" cy="0"/>
+          <a:chOff x="0" y="0"/>
+          <a:chExt cx="0" cy="0"/>
+        </a:xfrm>
+      </p:grpSpPr>
+      <p:sp>
+        <p:nvSpPr>
+          <p:cNvPr id="2" name="Title 1"/>
+          <p:cNvSpPr>
+            <a:spLocks noGrp="1"/>
+          </p:cNvSpPr>
+          <p:nvPr>
+            <p:ph type="title"/>
+          </p:nvPr>
+        </p:nvSpPr>
+        <p:spPr>
+          <a:xfrm>
+            <a:off x="428596" y="285728"/>
+            <a:ext cx="8229600" cy="1143000"/>
+          </a:xfrm>
+        </p:spPr>
+        <p:txBody>
+          <a:bodyPr/>
+          <a:lstStyle/>
+          <a:p>
+            <a:r>
+              <a:rPr lang="en-US" dirty="0" smtClean="0"/>
+              <a:t>Recursive Descent</a:t>
+            </a:r>
+            <a:endParaRPr lang="en-US" dirty="0"/>
+          </a:p>
+        </p:txBody>
+      </p:sp>
+      <p:sp>
+        <p:nvSpPr>
+          <p:cNvPr id="3" name="Content Placeholder 2"/>
+          <p:cNvSpPr>
+            <a:spLocks noGrp="1"/>
+          </p:cNvSpPr>
+          <p:nvPr>
+            <p:ph idx="1"/>
+          </p:nvPr>
+        </p:nvSpPr>
+        <p:spPr/>
+        <p:txBody>
+          <a:bodyPr/>
+          <a:lstStyle/>
+          <a:p>
+            <a:endParaRPr lang="en-US" dirty="0" smtClean="0"/>
+          </a:p>
+        </p:txBody>
+      </p:sp>
+    </p:spTree>
+  </p:cSld>
+  <p:clrMapOvr>
+    <a:masterClrMapping/>
+  </p:clrMapOvr>
+</p:sld>
+</file>
+
+<file path=ppt/slides/slide5.xml><?xml version="1.0" encoding="utf-8"?>
+<p:sld xmlns:a="http://schemas.openxmlformats.org/drawingml/2006/main" xmlns:r="http://schemas.openxmlformats.org/officeDocument/2006/relationships" xmlns:p="http://schemas.openxmlformats.org/presentationml/2006/main">
+  <p:cSld>
+    <p:spTree>
+      <p:nvGrpSpPr>
+        <p:cNvPr id="1" name=""/>
+        <p:cNvGrpSpPr/>
+        <p:nvPr/>
+      </p:nvGrpSpPr>
+      <p:grpSpPr>
+        <a:xfrm>
+          <a:off x="0" y="0"/>
+          <a:ext cx="0" cy="0"/>
+          <a:chOff x="0" y="0"/>
+          <a:chExt cx="0" cy="0"/>
+        </a:xfrm>
+      </p:grpSpPr>
+      <p:sp>
+        <p:nvSpPr>
+          <p:cNvPr id="2" name="Title 1"/>
+          <p:cNvSpPr>
+            <a:spLocks noGrp="1"/>
+          </p:cNvSpPr>
+          <p:nvPr>
+            <p:ph type="title"/>
+          </p:nvPr>
+        </p:nvSpPr>
+        <p:spPr>
+          <a:xfrm>
+            <a:off x="428596" y="285728"/>
+            <a:ext cx="8229600" cy="1143000"/>
+          </a:xfrm>
+        </p:spPr>
+        <p:txBody>
+          <a:bodyPr/>
+          <a:lstStyle/>
+          <a:p>
+            <a:r>
+              <a:rPr lang="en-US" dirty="0" smtClean="0"/>
+              <a:t>Abstract syntax tree</a:t>
+            </a:r>
+            <a:endParaRPr lang="en-US" dirty="0"/>
+          </a:p>
+        </p:txBody>
+      </p:sp>
+      <p:sp>
+        <p:nvSpPr>
+          <p:cNvPr id="3" name="Content Placeholder 2"/>
+          <p:cNvSpPr>
+            <a:spLocks noGrp="1"/>
+          </p:cNvSpPr>
+          <p:nvPr>
+            <p:ph idx="1"/>
+          </p:nvPr>
+        </p:nvSpPr>
+        <p:spPr/>
+        <p:txBody>
+          <a:bodyPr/>
+          <a:lstStyle/>
+          <a:p>
+            <a:endParaRPr lang="en-US" dirty="0" smtClean="0"/>
           </a:p>
         </p:txBody>
       </p:sp>
